--- a/spring16/slidesS16/predicate-logic3.pptx
+++ b/spring16/slidesS16/predicate-logic3.pptx
@@ -27,7 +27,7 @@
     <p:sldId id="328" r:id="rId15"/>
   </p:sldIdLst>
   <p:sldSz cx="9144000" cy="6858000" type="screen4x3"/>
-  <p:notesSz cx="7315200" cy="9601200"/>
+  <p:notesSz cx="9601200" cy="7315200"/>
   <p:custDataLst>
     <p:tags r:id="rId19"/>
   </p:custDataLst>
@@ -197,7 +197,7 @@
         <p:spPr bwMode="auto">
           <a:xfrm>
             <a:off x="0" y="0"/>
-            <a:ext cx="3168650" cy="479425"/>
+            <a:ext cx="4158853" cy="365276"/>
           </a:xfrm>
           <a:prstGeom prst="rect">
             <a:avLst/>
@@ -239,8 +239,8 @@
         </p:nvSpPr>
         <p:spPr bwMode="auto">
           <a:xfrm>
-            <a:off x="4146550" y="0"/>
-            <a:ext cx="3168650" cy="479425"/>
+            <a:off x="5442347" y="0"/>
+            <a:ext cx="4158853" cy="365276"/>
           </a:xfrm>
           <a:prstGeom prst="rect">
             <a:avLst/>
@@ -282,8 +282,8 @@
         </p:nvSpPr>
         <p:spPr bwMode="auto">
           <a:xfrm>
-            <a:off x="0" y="9121775"/>
-            <a:ext cx="3168650" cy="479425"/>
+            <a:off x="0" y="6949924"/>
+            <a:ext cx="4158853" cy="365276"/>
           </a:xfrm>
           <a:prstGeom prst="rect">
             <a:avLst/>
@@ -325,8 +325,8 @@
         </p:nvSpPr>
         <p:spPr bwMode="auto">
           <a:xfrm>
-            <a:off x="4146550" y="9121775"/>
-            <a:ext cx="3168650" cy="479425"/>
+            <a:off x="5442347" y="6949924"/>
+            <a:ext cx="4158853" cy="365276"/>
           </a:xfrm>
           <a:prstGeom prst="rect">
             <a:avLst/>
@@ -410,7 +410,7 @@
         <p:spPr bwMode="auto">
           <a:xfrm>
             <a:off x="0" y="0"/>
-            <a:ext cx="3170238" cy="479425"/>
+            <a:ext cx="4160937" cy="365276"/>
           </a:xfrm>
           <a:prstGeom prst="rect">
             <a:avLst/>
@@ -452,8 +452,8 @@
         </p:nvSpPr>
         <p:spPr bwMode="auto">
           <a:xfrm>
-            <a:off x="4143375" y="0"/>
-            <a:ext cx="3170238" cy="479425"/>
+            <a:off x="5438180" y="0"/>
+            <a:ext cx="4160937" cy="365276"/>
           </a:xfrm>
           <a:prstGeom prst="rect">
             <a:avLst/>
@@ -495,8 +495,8 @@
         </p:nvSpPr>
         <p:spPr bwMode="auto">
           <a:xfrm>
-            <a:off x="1257300" y="720725"/>
-            <a:ext cx="4800600" cy="3600450"/>
+            <a:off x="2971800" y="549275"/>
+            <a:ext cx="3657600" cy="2743200"/>
           </a:xfrm>
           <a:prstGeom prst="rect">
             <a:avLst/>
@@ -525,8 +525,8 @@
         </p:nvSpPr>
         <p:spPr bwMode="auto">
           <a:xfrm>
-            <a:off x="731838" y="4560888"/>
-            <a:ext cx="5851525" cy="4319587"/>
+            <a:off x="960538" y="3474963"/>
+            <a:ext cx="7680127" cy="3291114"/>
           </a:xfrm>
           <a:prstGeom prst="rect">
             <a:avLst/>
@@ -596,8 +596,8 @@
         </p:nvSpPr>
         <p:spPr bwMode="auto">
           <a:xfrm>
-            <a:off x="0" y="9120188"/>
-            <a:ext cx="3170238" cy="479425"/>
+            <a:off x="0" y="6948715"/>
+            <a:ext cx="4160937" cy="365276"/>
           </a:xfrm>
           <a:prstGeom prst="rect">
             <a:avLst/>
@@ -639,8 +639,8 @@
         </p:nvSpPr>
         <p:spPr bwMode="auto">
           <a:xfrm>
-            <a:off x="4143375" y="9120188"/>
-            <a:ext cx="3170238" cy="479425"/>
+            <a:off x="5438180" y="6948715"/>
+            <a:ext cx="4160937" cy="365276"/>
           </a:xfrm>
           <a:prstGeom prst="rect">
             <a:avLst/>
@@ -3429,11 +3429,7 @@
             </a:r>
             <a:r>
               <a:rPr lang="en-US" sz="6000" b="0" dirty="0" err="1" smtClean="0"/>
-              <a:t>Logic,</a:t>
-            </a:r>
-            <a:r>
-              <a:rPr lang="en-US" sz="6000" b="0" dirty="0" err="1" smtClean="0"/>
-              <a:t>III</a:t>
+              <a:t>Logic,III</a:t>
             </a:r>
             <a:endParaRPr lang="en-US" sz="6000" dirty="0">
               <a:solidFill>
@@ -5036,7 +5032,7 @@
           <a:graphicData uri="http://schemas.openxmlformats.org/presentationml/2006/ole">
             <mc:AlternateContent xmlns:mc="http://schemas.openxmlformats.org/markup-compatibility/2006">
               <mc:Choice xmlns:v="urn:schemas-microsoft-com:vml" Requires="v">
-                <p:oleObj spid="_x0000_s1033" name="Equation" r:id="rId4" imgW="2298600" imgH="228600" progId="Equation.DSMT4">
+                <p:oleObj spid="_x0000_s1038" name="Equation" r:id="rId4" imgW="2298600" imgH="228600" progId="Equation.DSMT4">
                   <p:embed/>
                 </p:oleObj>
               </mc:Choice>
@@ -5256,7 +5252,7 @@
           <a:graphicData uri="http://schemas.openxmlformats.org/presentationml/2006/ole">
             <mc:AlternateContent xmlns:mc="http://schemas.openxmlformats.org/markup-compatibility/2006">
               <mc:Choice xmlns:v="urn:schemas-microsoft-com:vml" Requires="v">
-                <p:oleObj spid="_x0000_s1034" name="Equation" r:id="rId6" imgW="914400" imgH="198720" progId="Equation.DSMT4">
+                <p:oleObj spid="_x0000_s1039" name="Equation" r:id="rId6" imgW="914400" imgH="198720" progId="Equation.DSMT4">
                   <p:embed/>
                 </p:oleObj>
               </mc:Choice>
@@ -5417,7 +5413,7 @@
           <a:graphicData uri="http://schemas.openxmlformats.org/presentationml/2006/ole">
             <mc:AlternateContent xmlns:mc="http://schemas.openxmlformats.org/markup-compatibility/2006">
               <mc:Choice xmlns:v="urn:schemas-microsoft-com:vml" Requires="v">
-                <p:oleObj spid="_x0000_s1035" name="Equation" r:id="rId8" imgW="406400" imgH="444500" progId="Equation.DSMT4">
+                <p:oleObj spid="_x0000_s1040" name="Equation" r:id="rId8" imgW="406400" imgH="444500" progId="Equation.DSMT4">
                   <p:embed/>
                 </p:oleObj>
               </mc:Choice>
@@ -5474,7 +5470,7 @@
           <a:graphicData uri="http://schemas.openxmlformats.org/presentationml/2006/ole">
             <mc:AlternateContent xmlns:mc="http://schemas.openxmlformats.org/markup-compatibility/2006">
               <mc:Choice xmlns:v="urn:schemas-microsoft-com:vml" Requires="v">
-                <p:oleObj spid="_x0000_s1036" name="Equation" r:id="rId10" imgW="279400" imgH="444500" progId="Equation.3">
+                <p:oleObj spid="_x0000_s1041" name="Equation" r:id="rId10" imgW="279400" imgH="444500" progId="Equation.3">
                   <p:embed/>
                 </p:oleObj>
               </mc:Choice>
@@ -5999,7 +5995,7 @@
           <a:graphicData uri="http://schemas.openxmlformats.org/presentationml/2006/ole">
             <mc:AlternateContent xmlns:mc="http://schemas.openxmlformats.org/markup-compatibility/2006">
               <mc:Choice xmlns:v="urn:schemas-microsoft-com:vml" Requires="v">
-                <p:oleObj spid="_x0000_s299015" name="Equation" r:id="rId4" imgW="914400" imgH="198720" progId="Equation.DSMT4">
+                <p:oleObj spid="_x0000_s299019" name="Equation" r:id="rId4" imgW="914400" imgH="198720" progId="Equation.DSMT4">
                   <p:embed/>
                 </p:oleObj>
               </mc:Choice>
@@ -6118,7 +6114,7 @@
           <a:graphicData uri="http://schemas.openxmlformats.org/presentationml/2006/ole">
             <mc:AlternateContent xmlns:mc="http://schemas.openxmlformats.org/markup-compatibility/2006">
               <mc:Choice xmlns:v="urn:schemas-microsoft-com:vml" Requires="v">
-                <p:oleObj spid="_x0000_s299016" name="Equation" r:id="rId6" imgW="2247840" imgH="228600" progId="Equation.DSMT4">
+                <p:oleObj spid="_x0000_s299020" name="Equation" r:id="rId6" imgW="2247840" imgH="228600" progId="Equation.DSMT4">
                   <p:embed/>
                 </p:oleObj>
               </mc:Choice>
@@ -6194,7 +6190,7 @@
           <a:graphicData uri="http://schemas.openxmlformats.org/presentationml/2006/ole">
             <mc:AlternateContent xmlns:mc="http://schemas.openxmlformats.org/markup-compatibility/2006">
               <mc:Choice xmlns:v="urn:schemas-microsoft-com:vml" Requires="v">
-                <p:oleObj spid="_x0000_s299017" name="Equation" r:id="rId8" imgW="825500" imgH="457200" progId="Equation.3">
+                <p:oleObj spid="_x0000_s299021" name="Equation" r:id="rId8" imgW="825500" imgH="457200" progId="Equation.3">
                   <p:embed/>
                 </p:oleObj>
               </mc:Choice>
@@ -6553,7 +6549,7 @@
           <a:graphicData uri="http://schemas.openxmlformats.org/presentationml/2006/ole">
             <mc:AlternateContent xmlns:mc="http://schemas.openxmlformats.org/markup-compatibility/2006">
               <mc:Choice xmlns:v="urn:schemas-microsoft-com:vml" Requires="v">
-                <p:oleObj spid="_x0000_s300035" name="Equation" r:id="rId4" imgW="2387600" imgH="228600" progId="Equation.3">
+                <p:oleObj spid="_x0000_s300037" name="Equation" r:id="rId4" imgW="2387600" imgH="228600" progId="Equation.3">
                   <p:embed/>
                 </p:oleObj>
               </mc:Choice>
@@ -7139,7 +7135,7 @@
           <a:graphicData uri="http://schemas.openxmlformats.org/presentationml/2006/ole">
             <mc:AlternateContent xmlns:mc="http://schemas.openxmlformats.org/markup-compatibility/2006">
               <mc:Choice xmlns:v="urn:schemas-microsoft-com:vml" Requires="v">
-                <p:oleObj spid="_x0000_s301063" name="Equation" r:id="rId4" imgW="2387600" imgH="228600" progId="Equation.DSMT4">
+                <p:oleObj spid="_x0000_s301067" name="Equation" r:id="rId4" imgW="2387600" imgH="228600" progId="Equation.DSMT4">
                   <p:embed/>
                 </p:oleObj>
               </mc:Choice>
@@ -7223,7 +7219,7 @@
             <a:graphicData uri="http://schemas.openxmlformats.org/presentationml/2006/ole">
               <mc:AlternateContent xmlns:mc="http://schemas.openxmlformats.org/markup-compatibility/2006">
                 <mc:Choice xmlns:v="urn:schemas-microsoft-com:vml" Requires="v">
-                  <p:oleObj spid="_x0000_s301064" name="Equation" r:id="rId6" imgW="812800" imgH="393700" progId="Equation.DSMT4">
+                  <p:oleObj spid="_x0000_s301068" name="Equation" r:id="rId6" imgW="812800" imgH="393700" progId="Equation.DSMT4">
                     <p:embed/>
                   </p:oleObj>
                 </mc:Choice>
@@ -7293,7 +7289,7 @@
             <a:graphicData uri="http://schemas.openxmlformats.org/presentationml/2006/ole">
               <mc:AlternateContent xmlns:mc="http://schemas.openxmlformats.org/markup-compatibility/2006">
                 <mc:Choice xmlns:v="urn:schemas-microsoft-com:vml" Requires="v">
-                  <p:oleObj spid="_x0000_s301065" name="Equation" r:id="rId8" imgW="812800" imgH="393700" progId="Equation.3">
+                  <p:oleObj spid="_x0000_s301069" name="Equation" r:id="rId8" imgW="812800" imgH="393700" progId="Equation.3">
                     <p:embed/>
                   </p:oleObj>
                 </mc:Choice>
@@ -7735,7 +7731,7 @@
           <a:graphicData uri="http://schemas.openxmlformats.org/presentationml/2006/ole">
             <mc:AlternateContent xmlns:mc="http://schemas.openxmlformats.org/markup-compatibility/2006">
               <mc:Choice xmlns:v="urn:schemas-microsoft-com:vml" Requires="v">
-                <p:oleObj spid="_x0000_s302083" name="Equation" r:id="rId4" imgW="2413000" imgH="228600" progId="Equation.3">
+                <p:oleObj spid="_x0000_s302085" name="Equation" r:id="rId4" imgW="2413000" imgH="228600" progId="Equation.3">
                   <p:embed/>
                 </p:oleObj>
               </mc:Choice>
@@ -7980,7 +7976,7 @@
           <a:graphicData uri="http://schemas.openxmlformats.org/presentationml/2006/ole">
             <mc:AlternateContent xmlns:mc="http://schemas.openxmlformats.org/markup-compatibility/2006">
               <mc:Choice xmlns:v="urn:schemas-microsoft-com:vml" Requires="v">
-                <p:oleObj spid="_x0000_s303107" name="Equation" r:id="rId4" imgW="2413000" imgH="228600" progId="Equation.3">
+                <p:oleObj spid="_x0000_s303109" name="Equation" r:id="rId4" imgW="2413000" imgH="228600" progId="Equation.3">
                   <p:embed/>
                 </p:oleObj>
               </mc:Choice>
@@ -8277,13 +8273,13 @@
   <p:clrMapOvr>
     <a:masterClrMapping/>
   </p:clrMapOvr>
-  <mc:AlternateContent xmlns:mc="http://schemas.openxmlformats.org/markup-compatibility/2006">
-    <mc:Choice xmlns:p14="http://schemas.microsoft.com/office/powerpoint/2010/main" Requires="p14">
+  <mc:AlternateContent xmlns:mc="http://schemas.openxmlformats.org/markup-compatibility/2006" xmlns:p14="http://schemas.microsoft.com/office/powerpoint/2010/main">
+    <mc:Choice Requires="p14">
       <p:transition spd="slow" p14:dur="1300">
         <p:fade thruBlk="1"/>
       </p:transition>
     </mc:Choice>
-    <mc:Fallback>
+    <mc:Fallback xmlns="">
       <p:transition xmlns:p14="http://schemas.microsoft.com/office/powerpoint/2010/main" spd="slow">
         <p:fade thruBlk="1"/>
       </p:transition>

--- a/spring16/slidesS16/predicate-logic3.pptx
+++ b/spring16/slidesS16/predicate-logic3.pptx
@@ -5,10 +5,10 @@
     <p:sldMasterId id="2147483650" r:id="rId1"/>
   </p:sldMasterIdLst>
   <p:notesMasterIdLst>
-    <p:notesMasterId r:id="rId16"/>
+    <p:notesMasterId r:id="rId9"/>
   </p:notesMasterIdLst>
   <p:handoutMasterIdLst>
-    <p:handoutMasterId r:id="rId17"/>
+    <p:handoutMasterId r:id="rId10"/>
   </p:handoutMasterIdLst>
   <p:sldIdLst>
     <p:sldId id="256" r:id="rId2"/>
@@ -18,18 +18,11 @@
     <p:sldId id="343" r:id="rId6"/>
     <p:sldId id="344" r:id="rId7"/>
     <p:sldId id="345" r:id="rId8"/>
-    <p:sldId id="339" r:id="rId9"/>
-    <p:sldId id="296" r:id="rId10"/>
-    <p:sldId id="297" r:id="rId11"/>
-    <p:sldId id="298" r:id="rId12"/>
-    <p:sldId id="299" r:id="rId13"/>
-    <p:sldId id="300" r:id="rId14"/>
-    <p:sldId id="328" r:id="rId15"/>
   </p:sldIdLst>
   <p:sldSz cx="9144000" cy="6858000" type="screen4x3"/>
   <p:notesSz cx="9601200" cy="7315200"/>
   <p:custDataLst>
-    <p:tags r:id="rId19"/>
+    <p:tags r:id="rId12"/>
   </p:custDataLst>
   <p:defaultTextStyle>
     <a:defPPr>
@@ -892,421 +885,6 @@
 </p:notes>
 </file>
 
-<file path=ppt/notesSlides/notesSlide10.xml><?xml version="1.0" encoding="utf-8"?>
-<p:notes xmlns:a="http://schemas.openxmlformats.org/drawingml/2006/main" xmlns:r="http://schemas.openxmlformats.org/officeDocument/2006/relationships" xmlns:p="http://schemas.openxmlformats.org/presentationml/2006/main">
-  <p:cSld>
-    <p:spTree>
-      <p:nvGrpSpPr>
-        <p:cNvPr id="1" name=""/>
-        <p:cNvGrpSpPr/>
-        <p:nvPr/>
-      </p:nvGrpSpPr>
-      <p:grpSpPr>
-        <a:xfrm>
-          <a:off x="0" y="0"/>
-          <a:ext cx="0" cy="0"/>
-          <a:chOff x="0" y="0"/>
-          <a:chExt cx="0" cy="0"/>
-        </a:xfrm>
-      </p:grpSpPr>
-      <p:sp>
-        <p:nvSpPr>
-          <p:cNvPr id="2" name="Slide Image Placeholder 1"/>
-          <p:cNvSpPr>
-            <a:spLocks noGrp="1" noRot="1" noChangeAspect="1"/>
-          </p:cNvSpPr>
-          <p:nvPr>
-            <p:ph type="sldImg"/>
-          </p:nvPr>
-        </p:nvSpPr>
-        <p:spPr/>
-      </p:sp>
-      <p:sp>
-        <p:nvSpPr>
-          <p:cNvPr id="3" name="Notes Placeholder 2"/>
-          <p:cNvSpPr>
-            <a:spLocks noGrp="1"/>
-          </p:cNvSpPr>
-          <p:nvPr>
-            <p:ph type="body" idx="1"/>
-          </p:nvPr>
-        </p:nvSpPr>
-        <p:spPr/>
-        <p:txBody>
-          <a:bodyPr>
-            <a:normAutofit/>
-          </a:bodyPr>
-          <a:lstStyle/>
-          <a:p>
-            <a:endParaRPr lang="en-US"/>
-          </a:p>
-        </p:txBody>
-      </p:sp>
-      <p:sp>
-        <p:nvSpPr>
-          <p:cNvPr id="4" name="Slide Number Placeholder 3"/>
-          <p:cNvSpPr>
-            <a:spLocks noGrp="1"/>
-          </p:cNvSpPr>
-          <p:nvPr>
-            <p:ph type="sldNum" sz="quarter" idx="10"/>
-          </p:nvPr>
-        </p:nvSpPr>
-        <p:spPr/>
-        <p:txBody>
-          <a:bodyPr/>
-          <a:lstStyle/>
-          <a:p>
-            <a:fld id="{E2E5D870-E2E4-4BD1-9265-CA8EFFF0A491}" type="slidenum">
-              <a:rPr lang="en-US" smtClean="0"/>
-              <a:pPr/>
-              <a:t>10</a:t>
-            </a:fld>
-            <a:endParaRPr lang="en-US"/>
-          </a:p>
-        </p:txBody>
-      </p:sp>
-    </p:spTree>
-  </p:cSld>
-  <p:clrMapOvr>
-    <a:masterClrMapping/>
-  </p:clrMapOvr>
-</p:notes>
-</file>
-
-<file path=ppt/notesSlides/notesSlide11.xml><?xml version="1.0" encoding="utf-8"?>
-<p:notes xmlns:a="http://schemas.openxmlformats.org/drawingml/2006/main" xmlns:r="http://schemas.openxmlformats.org/officeDocument/2006/relationships" xmlns:p="http://schemas.openxmlformats.org/presentationml/2006/main">
-  <p:cSld>
-    <p:spTree>
-      <p:nvGrpSpPr>
-        <p:cNvPr id="1" name=""/>
-        <p:cNvGrpSpPr/>
-        <p:nvPr/>
-      </p:nvGrpSpPr>
-      <p:grpSpPr>
-        <a:xfrm>
-          <a:off x="0" y="0"/>
-          <a:ext cx="0" cy="0"/>
-          <a:chOff x="0" y="0"/>
-          <a:chExt cx="0" cy="0"/>
-        </a:xfrm>
-      </p:grpSpPr>
-      <p:sp>
-        <p:nvSpPr>
-          <p:cNvPr id="2" name="Slide Image Placeholder 1"/>
-          <p:cNvSpPr>
-            <a:spLocks noGrp="1" noRot="1" noChangeAspect="1"/>
-          </p:cNvSpPr>
-          <p:nvPr>
-            <p:ph type="sldImg"/>
-          </p:nvPr>
-        </p:nvSpPr>
-        <p:spPr/>
-      </p:sp>
-      <p:sp>
-        <p:nvSpPr>
-          <p:cNvPr id="3" name="Notes Placeholder 2"/>
-          <p:cNvSpPr>
-            <a:spLocks noGrp="1"/>
-          </p:cNvSpPr>
-          <p:nvPr>
-            <p:ph type="body" idx="1"/>
-          </p:nvPr>
-        </p:nvSpPr>
-        <p:spPr/>
-        <p:txBody>
-          <a:bodyPr>
-            <a:normAutofit/>
-          </a:bodyPr>
-          <a:lstStyle/>
-          <a:p>
-            <a:endParaRPr lang="en-US"/>
-          </a:p>
-        </p:txBody>
-      </p:sp>
-      <p:sp>
-        <p:nvSpPr>
-          <p:cNvPr id="4" name="Slide Number Placeholder 3"/>
-          <p:cNvSpPr>
-            <a:spLocks noGrp="1"/>
-          </p:cNvSpPr>
-          <p:nvPr>
-            <p:ph type="sldNum" sz="quarter" idx="10"/>
-          </p:nvPr>
-        </p:nvSpPr>
-        <p:spPr/>
-        <p:txBody>
-          <a:bodyPr/>
-          <a:lstStyle/>
-          <a:p>
-            <a:fld id="{E2E5D870-E2E4-4BD1-9265-CA8EFFF0A491}" type="slidenum">
-              <a:rPr lang="en-US" smtClean="0"/>
-              <a:pPr/>
-              <a:t>11</a:t>
-            </a:fld>
-            <a:endParaRPr lang="en-US"/>
-          </a:p>
-        </p:txBody>
-      </p:sp>
-    </p:spTree>
-  </p:cSld>
-  <p:clrMapOvr>
-    <a:masterClrMapping/>
-  </p:clrMapOvr>
-</p:notes>
-</file>
-
-<file path=ppt/notesSlides/notesSlide12.xml><?xml version="1.0" encoding="utf-8"?>
-<p:notes xmlns:a="http://schemas.openxmlformats.org/drawingml/2006/main" xmlns:r="http://schemas.openxmlformats.org/officeDocument/2006/relationships" xmlns:p="http://schemas.openxmlformats.org/presentationml/2006/main">
-  <p:cSld>
-    <p:spTree>
-      <p:nvGrpSpPr>
-        <p:cNvPr id="1" name=""/>
-        <p:cNvGrpSpPr/>
-        <p:nvPr/>
-      </p:nvGrpSpPr>
-      <p:grpSpPr>
-        <a:xfrm>
-          <a:off x="0" y="0"/>
-          <a:ext cx="0" cy="0"/>
-          <a:chOff x="0" y="0"/>
-          <a:chExt cx="0" cy="0"/>
-        </a:xfrm>
-      </p:grpSpPr>
-      <p:sp>
-        <p:nvSpPr>
-          <p:cNvPr id="2" name="Slide Image Placeholder 1"/>
-          <p:cNvSpPr>
-            <a:spLocks noGrp="1" noRot="1" noChangeAspect="1"/>
-          </p:cNvSpPr>
-          <p:nvPr>
-            <p:ph type="sldImg"/>
-          </p:nvPr>
-        </p:nvSpPr>
-        <p:spPr/>
-      </p:sp>
-      <p:sp>
-        <p:nvSpPr>
-          <p:cNvPr id="3" name="Notes Placeholder 2"/>
-          <p:cNvSpPr>
-            <a:spLocks noGrp="1"/>
-          </p:cNvSpPr>
-          <p:nvPr>
-            <p:ph type="body" idx="1"/>
-          </p:nvPr>
-        </p:nvSpPr>
-        <p:spPr/>
-        <p:txBody>
-          <a:bodyPr>
-            <a:normAutofit/>
-          </a:bodyPr>
-          <a:lstStyle/>
-          <a:p>
-            <a:endParaRPr lang="en-US"/>
-          </a:p>
-        </p:txBody>
-      </p:sp>
-      <p:sp>
-        <p:nvSpPr>
-          <p:cNvPr id="4" name="Slide Number Placeholder 3"/>
-          <p:cNvSpPr>
-            <a:spLocks noGrp="1"/>
-          </p:cNvSpPr>
-          <p:nvPr>
-            <p:ph type="sldNum" sz="quarter" idx="10"/>
-          </p:nvPr>
-        </p:nvSpPr>
-        <p:spPr/>
-        <p:txBody>
-          <a:bodyPr/>
-          <a:lstStyle/>
-          <a:p>
-            <a:fld id="{E2E5D870-E2E4-4BD1-9265-CA8EFFF0A491}" type="slidenum">
-              <a:rPr lang="en-US" smtClean="0"/>
-              <a:pPr/>
-              <a:t>12</a:t>
-            </a:fld>
-            <a:endParaRPr lang="en-US"/>
-          </a:p>
-        </p:txBody>
-      </p:sp>
-    </p:spTree>
-  </p:cSld>
-  <p:clrMapOvr>
-    <a:masterClrMapping/>
-  </p:clrMapOvr>
-</p:notes>
-</file>
-
-<file path=ppt/notesSlides/notesSlide13.xml><?xml version="1.0" encoding="utf-8"?>
-<p:notes xmlns:a="http://schemas.openxmlformats.org/drawingml/2006/main" xmlns:r="http://schemas.openxmlformats.org/officeDocument/2006/relationships" xmlns:p="http://schemas.openxmlformats.org/presentationml/2006/main">
-  <p:cSld>
-    <p:spTree>
-      <p:nvGrpSpPr>
-        <p:cNvPr id="1" name=""/>
-        <p:cNvGrpSpPr/>
-        <p:nvPr/>
-      </p:nvGrpSpPr>
-      <p:grpSpPr>
-        <a:xfrm>
-          <a:off x="0" y="0"/>
-          <a:ext cx="0" cy="0"/>
-          <a:chOff x="0" y="0"/>
-          <a:chExt cx="0" cy="0"/>
-        </a:xfrm>
-      </p:grpSpPr>
-      <p:sp>
-        <p:nvSpPr>
-          <p:cNvPr id="2" name="Slide Image Placeholder 1"/>
-          <p:cNvSpPr>
-            <a:spLocks noGrp="1" noRot="1" noChangeAspect="1"/>
-          </p:cNvSpPr>
-          <p:nvPr>
-            <p:ph type="sldImg"/>
-          </p:nvPr>
-        </p:nvSpPr>
-        <p:spPr/>
-      </p:sp>
-      <p:sp>
-        <p:nvSpPr>
-          <p:cNvPr id="3" name="Notes Placeholder 2"/>
-          <p:cNvSpPr>
-            <a:spLocks noGrp="1"/>
-          </p:cNvSpPr>
-          <p:nvPr>
-            <p:ph type="body" idx="1"/>
-          </p:nvPr>
-        </p:nvSpPr>
-        <p:spPr/>
-        <p:txBody>
-          <a:bodyPr>
-            <a:normAutofit/>
-          </a:bodyPr>
-          <a:lstStyle/>
-          <a:p>
-            <a:endParaRPr lang="en-US"/>
-          </a:p>
-        </p:txBody>
-      </p:sp>
-      <p:sp>
-        <p:nvSpPr>
-          <p:cNvPr id="4" name="Slide Number Placeholder 3"/>
-          <p:cNvSpPr>
-            <a:spLocks noGrp="1"/>
-          </p:cNvSpPr>
-          <p:nvPr>
-            <p:ph type="sldNum" sz="quarter" idx="10"/>
-          </p:nvPr>
-        </p:nvSpPr>
-        <p:spPr/>
-        <p:txBody>
-          <a:bodyPr/>
-          <a:lstStyle/>
-          <a:p>
-            <a:fld id="{E2E5D870-E2E4-4BD1-9265-CA8EFFF0A491}" type="slidenum">
-              <a:rPr lang="en-US" smtClean="0"/>
-              <a:pPr/>
-              <a:t>13</a:t>
-            </a:fld>
-            <a:endParaRPr lang="en-US"/>
-          </a:p>
-        </p:txBody>
-      </p:sp>
-    </p:spTree>
-  </p:cSld>
-  <p:clrMapOvr>
-    <a:masterClrMapping/>
-  </p:clrMapOvr>
-</p:notes>
-</file>
-
-<file path=ppt/notesSlides/notesSlide14.xml><?xml version="1.0" encoding="utf-8"?>
-<p:notes xmlns:a="http://schemas.openxmlformats.org/drawingml/2006/main" xmlns:r="http://schemas.openxmlformats.org/officeDocument/2006/relationships" xmlns:p="http://schemas.openxmlformats.org/presentationml/2006/main">
-  <p:cSld>
-    <p:spTree>
-      <p:nvGrpSpPr>
-        <p:cNvPr id="1" name=""/>
-        <p:cNvGrpSpPr/>
-        <p:nvPr/>
-      </p:nvGrpSpPr>
-      <p:grpSpPr>
-        <a:xfrm>
-          <a:off x="0" y="0"/>
-          <a:ext cx="0" cy="0"/>
-          <a:chOff x="0" y="0"/>
-          <a:chExt cx="0" cy="0"/>
-        </a:xfrm>
-      </p:grpSpPr>
-      <p:sp>
-        <p:nvSpPr>
-          <p:cNvPr id="72706" name="Rectangle 7"/>
-          <p:cNvSpPr>
-            <a:spLocks noGrp="1" noChangeArrowheads="1"/>
-          </p:cNvSpPr>
-          <p:nvPr>
-            <p:ph type="sldNum" sz="quarter" idx="5"/>
-          </p:nvPr>
-        </p:nvSpPr>
-        <p:spPr>
-          <a:noFill/>
-        </p:spPr>
-        <p:txBody>
-          <a:bodyPr/>
-          <a:lstStyle/>
-          <a:p>
-            <a:fld id="{6653F924-F418-411E-8C35-24F3766CE997}" type="slidenum">
-              <a:rPr lang="en-US" smtClean="0"/>
-              <a:pPr/>
-              <a:t>14</a:t>
-            </a:fld>
-            <a:endParaRPr lang="en-US" smtClean="0"/>
-          </a:p>
-        </p:txBody>
-      </p:sp>
-      <p:sp>
-        <p:nvSpPr>
-          <p:cNvPr id="72707" name="Rectangle 2"/>
-          <p:cNvSpPr>
-            <a:spLocks noGrp="1" noRot="1" noChangeAspect="1" noChangeArrowheads="1" noTextEdit="1"/>
-          </p:cNvSpPr>
-          <p:nvPr>
-            <p:ph type="sldImg"/>
-          </p:nvPr>
-        </p:nvSpPr>
-        <p:spPr>
-          <a:ln/>
-        </p:spPr>
-      </p:sp>
-      <p:sp>
-        <p:nvSpPr>
-          <p:cNvPr id="72708" name="Rectangle 3"/>
-          <p:cNvSpPr>
-            <a:spLocks noGrp="1" noChangeArrowheads="1"/>
-          </p:cNvSpPr>
-          <p:nvPr>
-            <p:ph type="body" idx="1"/>
-          </p:nvPr>
-        </p:nvSpPr>
-        <p:spPr>
-          <a:noFill/>
-          <a:ln/>
-        </p:spPr>
-        <p:txBody>
-          <a:bodyPr/>
-          <a:lstStyle/>
-          <a:p>
-            <a:endParaRPr lang="en-US" smtClean="0"/>
-          </a:p>
-        </p:txBody>
-      </p:sp>
-    </p:spTree>
-  </p:cSld>
-  <p:clrMapOvr>
-    <a:masterClrMapping/>
-  </p:clrMapOvr>
-</p:notes>
-</file>
-
 <file path=ppt/notesSlides/notesSlide2.xml><?xml version="1.0" encoding="utf-8"?>
 <p:notes xmlns:a="http://schemas.openxmlformats.org/drawingml/2006/main" xmlns:r="http://schemas.openxmlformats.org/officeDocument/2006/relationships" xmlns:p="http://schemas.openxmlformats.org/presentationml/2006/main">
   <p:cSld>
@@ -1799,170 +1377,6 @@
           <a:bodyPr/>
           <a:lstStyle/>
           <a:p>
-            <a:endParaRPr lang="en-US"/>
-          </a:p>
-        </p:txBody>
-      </p:sp>
-    </p:spTree>
-  </p:cSld>
-  <p:clrMapOvr>
-    <a:masterClrMapping/>
-  </p:clrMapOvr>
-</p:notes>
-</file>
-
-<file path=ppt/notesSlides/notesSlide8.xml><?xml version="1.0" encoding="utf-8"?>
-<p:notes xmlns:a="http://schemas.openxmlformats.org/drawingml/2006/main" xmlns:r="http://schemas.openxmlformats.org/officeDocument/2006/relationships" xmlns:p="http://schemas.openxmlformats.org/presentationml/2006/main">
-  <p:cSld>
-    <p:spTree>
-      <p:nvGrpSpPr>
-        <p:cNvPr id="1" name=""/>
-        <p:cNvGrpSpPr/>
-        <p:nvPr/>
-      </p:nvGrpSpPr>
-      <p:grpSpPr>
-        <a:xfrm>
-          <a:off x="0" y="0"/>
-          <a:ext cx="0" cy="0"/>
-          <a:chOff x="0" y="0"/>
-          <a:chExt cx="0" cy="0"/>
-        </a:xfrm>
-      </p:grpSpPr>
-      <p:sp>
-        <p:nvSpPr>
-          <p:cNvPr id="2" name="Slide Image Placeholder 1"/>
-          <p:cNvSpPr>
-            <a:spLocks noGrp="1" noRot="1" noChangeAspect="1"/>
-          </p:cNvSpPr>
-          <p:nvPr>
-            <p:ph type="sldImg"/>
-          </p:nvPr>
-        </p:nvSpPr>
-        <p:spPr/>
-      </p:sp>
-      <p:sp>
-        <p:nvSpPr>
-          <p:cNvPr id="3" name="Notes Placeholder 2"/>
-          <p:cNvSpPr>
-            <a:spLocks noGrp="1"/>
-          </p:cNvSpPr>
-          <p:nvPr>
-            <p:ph type="body" idx="1"/>
-          </p:nvPr>
-        </p:nvSpPr>
-        <p:spPr/>
-        <p:txBody>
-          <a:bodyPr>
-            <a:normAutofit/>
-          </a:bodyPr>
-          <a:lstStyle/>
-          <a:p>
-            <a:endParaRPr lang="en-US"/>
-          </a:p>
-        </p:txBody>
-      </p:sp>
-      <p:sp>
-        <p:nvSpPr>
-          <p:cNvPr id="4" name="Slide Number Placeholder 3"/>
-          <p:cNvSpPr>
-            <a:spLocks noGrp="1"/>
-          </p:cNvSpPr>
-          <p:nvPr>
-            <p:ph type="sldNum" sz="quarter" idx="10"/>
-          </p:nvPr>
-        </p:nvSpPr>
-        <p:spPr/>
-        <p:txBody>
-          <a:bodyPr/>
-          <a:lstStyle/>
-          <a:p>
-            <a:fld id="{E2E5D870-E2E4-4BD1-9265-CA8EFFF0A491}" type="slidenum">
-              <a:rPr lang="en-US" smtClean="0"/>
-              <a:pPr/>
-              <a:t>8</a:t>
-            </a:fld>
-            <a:endParaRPr lang="en-US"/>
-          </a:p>
-        </p:txBody>
-      </p:sp>
-    </p:spTree>
-  </p:cSld>
-  <p:clrMapOvr>
-    <a:masterClrMapping/>
-  </p:clrMapOvr>
-</p:notes>
-</file>
-
-<file path=ppt/notesSlides/notesSlide9.xml><?xml version="1.0" encoding="utf-8"?>
-<p:notes xmlns:a="http://schemas.openxmlformats.org/drawingml/2006/main" xmlns:r="http://schemas.openxmlformats.org/officeDocument/2006/relationships" xmlns:p="http://schemas.openxmlformats.org/presentationml/2006/main">
-  <p:cSld>
-    <p:spTree>
-      <p:nvGrpSpPr>
-        <p:cNvPr id="1" name=""/>
-        <p:cNvGrpSpPr/>
-        <p:nvPr/>
-      </p:nvGrpSpPr>
-      <p:grpSpPr>
-        <a:xfrm>
-          <a:off x="0" y="0"/>
-          <a:ext cx="0" cy="0"/>
-          <a:chOff x="0" y="0"/>
-          <a:chExt cx="0" cy="0"/>
-        </a:xfrm>
-      </p:grpSpPr>
-      <p:sp>
-        <p:nvSpPr>
-          <p:cNvPr id="2" name="Slide Image Placeholder 1"/>
-          <p:cNvSpPr>
-            <a:spLocks noGrp="1" noRot="1" noChangeAspect="1"/>
-          </p:cNvSpPr>
-          <p:nvPr>
-            <p:ph type="sldImg"/>
-          </p:nvPr>
-        </p:nvSpPr>
-        <p:spPr/>
-      </p:sp>
-      <p:sp>
-        <p:nvSpPr>
-          <p:cNvPr id="3" name="Notes Placeholder 2"/>
-          <p:cNvSpPr>
-            <a:spLocks noGrp="1"/>
-          </p:cNvSpPr>
-          <p:nvPr>
-            <p:ph type="body" idx="1"/>
-          </p:nvPr>
-        </p:nvSpPr>
-        <p:spPr/>
-        <p:txBody>
-          <a:bodyPr>
-            <a:normAutofit/>
-          </a:bodyPr>
-          <a:lstStyle/>
-          <a:p>
-            <a:endParaRPr lang="en-US"/>
-          </a:p>
-        </p:txBody>
-      </p:sp>
-      <p:sp>
-        <p:nvSpPr>
-          <p:cNvPr id="4" name="Slide Number Placeholder 3"/>
-          <p:cNvSpPr>
-            <a:spLocks noGrp="1"/>
-          </p:cNvSpPr>
-          <p:nvPr>
-            <p:ph type="sldNum" sz="quarter" idx="10"/>
-          </p:nvPr>
-        </p:nvSpPr>
-        <p:spPr/>
-        <p:txBody>
-          <a:bodyPr/>
-          <a:lstStyle/>
-          <a:p>
-            <a:fld id="{E2E5D870-E2E4-4BD1-9265-CA8EFFF0A491}" type="slidenum">
-              <a:rPr lang="en-US" smtClean="0"/>
-              <a:pPr/>
-              <a:t>9</a:t>
-            </a:fld>
             <a:endParaRPr lang="en-US"/>
           </a:p>
         </p:txBody>
@@ -3532,7 +2946,7 @@
         <p:spPr>
           <a:xfrm flipH="1">
             <a:off x="717019" y="3057525"/>
-            <a:ext cx="7709961" cy="2246769"/>
+            <a:ext cx="7709961" cy="1323439"/>
           </a:xfrm>
           <a:prstGeom prst="rect">
             <a:avLst/>
@@ -3592,41 +3006,19 @@
                 <a:latin typeface="Comic Sans MS" pitchFamily="66" charset="0"/>
                 <a:ea typeface="+mj-ea"/>
               </a:rPr>
-              <a:t>in English</a:t>
-            </a:r>
-          </a:p>
-          <a:p>
+              <a:t>in </a:t>
+            </a:r>
             <a:r>
               <a:rPr lang="en-US" sz="6000" kern="0" dirty="0" smtClean="0">
-                <a:solidFill>
-                  <a:srgbClr val="000000"/>
-                </a:solidFill>
                 <a:latin typeface="Comic Sans MS" pitchFamily="66" charset="0"/>
                 <a:ea typeface="+mj-ea"/>
               </a:rPr>
-              <a:t>Two </a:t>
-            </a:r>
-            <a:r>
-              <a:rPr lang="en-US" sz="6000" kern="0" dirty="0">
-                <a:solidFill>
-                  <a:srgbClr val="000000"/>
-                </a:solidFill>
-                <a:latin typeface="Comic Sans MS" pitchFamily="66" charset="0"/>
-                <a:ea typeface="+mj-ea"/>
-              </a:rPr>
-              <a:t>Meta-</a:t>
-            </a:r>
-            <a:r>
-              <a:rPr lang="en-US" sz="6000" kern="0" dirty="0" smtClean="0">
-                <a:solidFill>
-                  <a:srgbClr val="000000"/>
-                </a:solidFill>
-                <a:latin typeface="Comic Sans MS" pitchFamily="66" charset="0"/>
-                <a:ea typeface="+mj-ea"/>
-              </a:rPr>
-              <a:t>Theorems</a:t>
-            </a:r>
-            <a:endParaRPr lang="en-US" dirty="0"/>
+              <a:t>English</a:t>
+            </a:r>
+            <a:endParaRPr lang="en-US" sz="6000" kern="0" dirty="0" smtClean="0">
+              <a:latin typeface="Comic Sans MS" pitchFamily="66" charset="0"/>
+              <a:ea typeface="+mj-ea"/>
+            </a:endParaRPr>
           </a:p>
         </p:txBody>
       </p:sp>
@@ -3704,67 +3096,6 @@
                       </p:childTnLst>
                     </p:cTn>
                   </p:par>
-                  <p:par>
-                    <p:cTn id="8" fill="hold">
-                      <p:stCondLst>
-                        <p:cond delay="indefinite"/>
-                      </p:stCondLst>
-                      <p:childTnLst>
-                        <p:par>
-                          <p:cTn id="9" fill="hold">
-                            <p:stCondLst>
-                              <p:cond delay="0"/>
-                            </p:stCondLst>
-                            <p:childTnLst>
-                              <p:par>
-                                <p:cTn id="10" presetID="9" presetClass="entr" presetSubtype="0" fill="hold" grpId="0" nodeType="clickEffect">
-                                  <p:stCondLst>
-                                    <p:cond delay="0"/>
-                                  </p:stCondLst>
-                                  <p:childTnLst>
-                                    <p:set>
-                                      <p:cBhvr>
-                                        <p:cTn id="11" dur="1" fill="hold">
-                                          <p:stCondLst>
-                                            <p:cond delay="0"/>
-                                          </p:stCondLst>
-                                        </p:cTn>
-                                        <p:tgtEl>
-                                          <p:spTgt spid="2">
-                                            <p:txEl>
-                                              <p:pRg st="1" end="1"/>
-                                            </p:txEl>
-                                          </p:spTgt>
-                                        </p:tgtEl>
-                                        <p:attrNameLst>
-                                          <p:attrName>style.visibility</p:attrName>
-                                        </p:attrNameLst>
-                                      </p:cBhvr>
-                                      <p:to>
-                                        <p:strVal val="visible"/>
-                                      </p:to>
-                                    </p:set>
-                                    <p:animEffect transition="in" filter="dissolve">
-                                      <p:cBhvr>
-                                        <p:cTn id="12" dur="500"/>
-                                        <p:tgtEl>
-                                          <p:spTgt spid="2">
-                                            <p:txEl>
-                                              <p:pRg st="1" end="1"/>
-                                            </p:txEl>
-                                          </p:spTgt>
-                                        </p:tgtEl>
-                                      </p:cBhvr>
-                                    </p:animEffect>
-                                  </p:childTnLst>
-                                </p:cTn>
-                              </p:par>
-                            </p:childTnLst>
-                          </p:cTn>
-                        </p:par>
-                      </p:childTnLst>
-                    </p:cTn>
-                  </p:par>
                 </p:childTnLst>
               </p:cTn>
               <p:prevCondLst>
@@ -3789,1212 +3120,6 @@
     <p:bldLst>
       <p:bldP spid="2" grpId="0" uiExpand="1" build="p"/>
     </p:bldLst>
-  </p:timing>
-</p:sld>
-</file>
-
-<file path=ppt/slides/slide10.xml><?xml version="1.0" encoding="utf-8"?>
-<p:sld xmlns:a="http://schemas.openxmlformats.org/drawingml/2006/main" xmlns:r="http://schemas.openxmlformats.org/officeDocument/2006/relationships" xmlns:p="http://schemas.openxmlformats.org/presentationml/2006/main">
-  <p:cSld>
-    <p:spTree>
-      <p:nvGrpSpPr>
-        <p:cNvPr id="1" name=""/>
-        <p:cNvGrpSpPr/>
-        <p:nvPr/>
-      </p:nvGrpSpPr>
-      <p:grpSpPr>
-        <a:xfrm>
-          <a:off x="0" y="0"/>
-          <a:ext cx="0" cy="0"/>
-          <a:chOff x="0" y="0"/>
-          <a:chExt cx="0" cy="0"/>
-        </a:xfrm>
-      </p:grpSpPr>
-      <p:sp>
-        <p:nvSpPr>
-          <p:cNvPr id="120834" name="Rectangle 2"/>
-          <p:cNvSpPr>
-            <a:spLocks noGrp="1" noChangeArrowheads="1"/>
-          </p:cNvSpPr>
-          <p:nvPr>
-            <p:ph type="title"/>
-          </p:nvPr>
-        </p:nvSpPr>
-        <p:spPr/>
-        <p:txBody>
-          <a:bodyPr/>
-          <a:lstStyle/>
-          <a:p>
-            <a:r>
-              <a:rPr lang="en-US" sz="3600" dirty="0">
-                <a:solidFill>
-                  <a:schemeClr val="tx1"/>
-                </a:solidFill>
-              </a:rPr>
-              <a:t>Axioms &amp; Inference Rules</a:t>
-            </a:r>
-          </a:p>
-        </p:txBody>
-      </p:sp>
-      <p:sp>
-        <p:nvSpPr>
-          <p:cNvPr id="120835" name="Rectangle 3"/>
-          <p:cNvSpPr>
-            <a:spLocks noGrp="1" noChangeArrowheads="1"/>
-          </p:cNvSpPr>
-          <p:nvPr>
-            <p:ph type="body" idx="1"/>
-          </p:nvPr>
-        </p:nvSpPr>
-        <p:spPr>
-          <a:xfrm>
-            <a:off x="665389" y="2297906"/>
-            <a:ext cx="7813222" cy="2259013"/>
-          </a:xfrm>
-        </p:spPr>
-        <p:txBody>
-          <a:bodyPr/>
-          <a:lstStyle/>
-          <a:p>
-            <a:pPr>
-              <a:lnSpc>
-                <a:spcPct val="90000"/>
-              </a:lnSpc>
-              <a:spcBef>
-                <a:spcPct val="0"/>
-              </a:spcBef>
-            </a:pPr>
-            <a:r>
-              <a:rPr lang="en-US" sz="4400" dirty="0" smtClean="0"/>
-              <a:t>Rules are just </a:t>
-            </a:r>
-            <a:r>
-              <a:rPr lang="en-US" sz="4400" dirty="0"/>
-              <a:t>UG and modus </a:t>
-            </a:r>
-            <a:endParaRPr lang="en-US" sz="4400" dirty="0" smtClean="0"/>
-          </a:p>
-          <a:p>
-            <a:pPr>
-              <a:lnSpc>
-                <a:spcPct val="90000"/>
-              </a:lnSpc>
-              <a:spcBef>
-                <a:spcPct val="0"/>
-              </a:spcBef>
-            </a:pPr>
-            <a:r>
-              <a:rPr lang="en-US" sz="4400" dirty="0" smtClean="0"/>
-              <a:t>ponens.  Most of the valid </a:t>
-            </a:r>
-          </a:p>
-          <a:p>
-            <a:pPr>
-              <a:lnSpc>
-                <a:spcPct val="90000"/>
-              </a:lnSpc>
-              <a:spcBef>
-                <a:spcPct val="0"/>
-              </a:spcBef>
-            </a:pPr>
-            <a:r>
-              <a:rPr lang="en-US" sz="4400" dirty="0" smtClean="0"/>
-              <a:t>axioms shown already.</a:t>
-            </a:r>
-            <a:endParaRPr lang="en-US" sz="4400" dirty="0"/>
-          </a:p>
-        </p:txBody>
-      </p:sp>
-    </p:spTree>
-  </p:cSld>
-  <p:clrMapOvr>
-    <a:masterClrMapping/>
-  </p:clrMapOvr>
-  <p:transition xmlns:p14="http://schemas.microsoft.com/office/powerpoint/2010/main"/>
-  <p:timing>
-    <p:tnLst>
-      <p:par>
-        <p:cTn xmlns:p14="http://schemas.microsoft.com/office/powerpoint/2010/main" id="1" dur="indefinite" restart="never" nodeType="tmRoot"/>
-      </p:par>
-    </p:tnLst>
-  </p:timing>
-</p:sld>
-</file>
-
-<file path=ppt/slides/slide11.xml><?xml version="1.0" encoding="utf-8"?>
-<p:sld xmlns:a="http://schemas.openxmlformats.org/drawingml/2006/main" xmlns:r="http://schemas.openxmlformats.org/officeDocument/2006/relationships" xmlns:p="http://schemas.openxmlformats.org/presentationml/2006/main">
-  <p:cSld>
-    <p:spTree>
-      <p:nvGrpSpPr>
-        <p:cNvPr id="1" name=""/>
-        <p:cNvGrpSpPr/>
-        <p:nvPr/>
-      </p:nvGrpSpPr>
-      <p:grpSpPr>
-        <a:xfrm>
-          <a:off x="0" y="0"/>
-          <a:ext cx="0" cy="0"/>
-          <a:chOff x="0" y="0"/>
-          <a:chExt cx="0" cy="0"/>
-        </a:xfrm>
-      </p:grpSpPr>
-      <p:sp>
-        <p:nvSpPr>
-          <p:cNvPr id="121858" name="Rectangle 2"/>
-          <p:cNvSpPr>
-            <a:spLocks noGrp="1" noChangeArrowheads="1"/>
-          </p:cNvSpPr>
-          <p:nvPr>
-            <p:ph type="title"/>
-          </p:nvPr>
-        </p:nvSpPr>
-        <p:spPr/>
-        <p:txBody>
-          <a:bodyPr/>
-          <a:lstStyle/>
-          <a:p>
-            <a:r>
-              <a:rPr lang="en-US" sz="3600" dirty="0" smtClean="0"/>
-              <a:t>Validity is </a:t>
-            </a:r>
-            <a:r>
-              <a:rPr lang="en-US" sz="3600" dirty="0" err="1" smtClean="0">
-                <a:solidFill>
-                  <a:srgbClr val="FF0000"/>
-                </a:solidFill>
-              </a:rPr>
-              <a:t>undecidable</a:t>
-            </a:r>
-            <a:endParaRPr lang="en-US" sz="3600" dirty="0">
-              <a:solidFill>
-                <a:srgbClr val="FF0000"/>
-              </a:solidFill>
-            </a:endParaRPr>
-          </a:p>
-        </p:txBody>
-      </p:sp>
-      <p:sp>
-        <p:nvSpPr>
-          <p:cNvPr id="121859" name="Rectangle 3"/>
-          <p:cNvSpPr>
-            <a:spLocks noGrp="1" noChangeArrowheads="1"/>
-          </p:cNvSpPr>
-          <p:nvPr>
-            <p:ph type="body" idx="1"/>
-          </p:nvPr>
-        </p:nvSpPr>
-        <p:spPr>
-          <a:xfrm>
-            <a:off x="500743" y="1496659"/>
-            <a:ext cx="8142514" cy="3870551"/>
-          </a:xfrm>
-        </p:spPr>
-        <p:txBody>
-          <a:bodyPr/>
-          <a:lstStyle/>
-          <a:p>
-            <a:r>
-              <a:rPr lang="en-US" sz="4000" dirty="0" err="1"/>
-              <a:t>Thm</a:t>
-            </a:r>
-            <a:r>
-              <a:rPr lang="en-US" sz="4000" dirty="0"/>
-              <a:t> 2, </a:t>
-            </a:r>
-            <a:r>
-              <a:rPr lang="en-US" sz="4000" dirty="0">
-                <a:solidFill>
-                  <a:srgbClr val="CC0000"/>
-                </a:solidFill>
-              </a:rPr>
-              <a:t>Bad News:</a:t>
-            </a:r>
-            <a:r>
-              <a:rPr lang="en-US" sz="4000" dirty="0"/>
-              <a:t> there is no </a:t>
-            </a:r>
-          </a:p>
-          <a:p>
-            <a:r>
-              <a:rPr lang="en-US" sz="4000" dirty="0"/>
-              <a:t>procedure </a:t>
-            </a:r>
-            <a:r>
-              <a:rPr lang="en-US" sz="4000" dirty="0" smtClean="0"/>
-              <a:t>to determine whether </a:t>
-            </a:r>
-            <a:endParaRPr lang="en-US" sz="4000" dirty="0"/>
-          </a:p>
-          <a:p>
-            <a:r>
-              <a:rPr lang="en-US" sz="4000" dirty="0" smtClean="0"/>
-              <a:t>a quantified  formula is </a:t>
-            </a:r>
-            <a:r>
-              <a:rPr lang="en-US" sz="4000" dirty="0"/>
-              <a:t>valid</a:t>
-            </a:r>
-          </a:p>
-          <a:p>
-            <a:r>
-              <a:rPr lang="en-US" sz="4000" dirty="0"/>
-              <a:t>(in contrast to propositional </a:t>
-            </a:r>
-          </a:p>
-          <a:p>
-            <a:r>
-              <a:rPr lang="en-US" sz="4000" dirty="0"/>
-              <a:t>formulas).</a:t>
-            </a:r>
-          </a:p>
-        </p:txBody>
-      </p:sp>
-    </p:spTree>
-  </p:cSld>
-  <p:clrMapOvr>
-    <a:masterClrMapping/>
-  </p:clrMapOvr>
-  <p:transition xmlns:p14="http://schemas.microsoft.com/office/powerpoint/2010/main" spd="slow">
-    <p:fade/>
-  </p:transition>
-  <p:timing>
-    <p:tnLst>
-      <p:par>
-        <p:cTn xmlns:p14="http://schemas.microsoft.com/office/powerpoint/2010/main" id="1" dur="indefinite" restart="never" nodeType="tmRoot">
-          <p:childTnLst>
-            <p:seq concurrent="1" nextAc="seek">
-              <p:cTn id="2" dur="indefinite" nodeType="mainSeq">
-                <p:childTnLst>
-                  <p:par>
-                    <p:cTn id="3" fill="hold">
-                      <p:stCondLst>
-                        <p:cond delay="indefinite"/>
-                      </p:stCondLst>
-                      <p:childTnLst>
-                        <p:par>
-                          <p:cTn id="4" fill="hold">
-                            <p:stCondLst>
-                              <p:cond delay="0"/>
-                            </p:stCondLst>
-                            <p:childTnLst>
-                              <p:par>
-                                <p:cTn id="5" presetID="15" presetClass="entr" presetSubtype="0" fill="hold" grpId="0" nodeType="clickEffect">
-                                  <p:stCondLst>
-                                    <p:cond delay="0"/>
-                                  </p:stCondLst>
-                                  <p:childTnLst>
-                                    <p:set>
-                                      <p:cBhvr>
-                                        <p:cTn id="6" dur="1" fill="hold">
-                                          <p:stCondLst>
-                                            <p:cond delay="0"/>
-                                          </p:stCondLst>
-                                        </p:cTn>
-                                        <p:tgtEl>
-                                          <p:spTgt spid="121858"/>
-                                        </p:tgtEl>
-                                        <p:attrNameLst>
-                                          <p:attrName>style.visibility</p:attrName>
-                                        </p:attrNameLst>
-                                      </p:cBhvr>
-                                      <p:to>
-                                        <p:strVal val="visible"/>
-                                      </p:to>
-                                    </p:set>
-                                    <p:anim calcmode="lin" valueType="num">
-                                      <p:cBhvr>
-                                        <p:cTn id="7" dur="1000" fill="hold"/>
-                                        <p:tgtEl>
-                                          <p:spTgt spid="121858"/>
-                                        </p:tgtEl>
-                                        <p:attrNameLst>
-                                          <p:attrName>ppt_w</p:attrName>
-                                        </p:attrNameLst>
-                                      </p:cBhvr>
-                                      <p:tavLst>
-                                        <p:tav tm="0">
-                                          <p:val>
-                                            <p:fltVal val="0"/>
-                                          </p:val>
-                                        </p:tav>
-                                        <p:tav tm="100000">
-                                          <p:val>
-                                            <p:strVal val="#ppt_w"/>
-                                          </p:val>
-                                        </p:tav>
-                                      </p:tavLst>
-                                    </p:anim>
-                                    <p:anim calcmode="lin" valueType="num">
-                                      <p:cBhvr>
-                                        <p:cTn id="8" dur="1000" fill="hold"/>
-                                        <p:tgtEl>
-                                          <p:spTgt spid="121858"/>
-                                        </p:tgtEl>
-                                        <p:attrNameLst>
-                                          <p:attrName>ppt_h</p:attrName>
-                                        </p:attrNameLst>
-                                      </p:cBhvr>
-                                      <p:tavLst>
-                                        <p:tav tm="0">
-                                          <p:val>
-                                            <p:fltVal val="0"/>
-                                          </p:val>
-                                        </p:tav>
-                                        <p:tav tm="100000">
-                                          <p:val>
-                                            <p:strVal val="#ppt_h"/>
-                                          </p:val>
-                                        </p:tav>
-                                      </p:tavLst>
-                                    </p:anim>
-                                    <p:anim calcmode="lin" valueType="num">
-                                      <p:cBhvr>
-                                        <p:cTn id="9" dur="1000" fill="hold"/>
-                                        <p:tgtEl>
-                                          <p:spTgt spid="121858"/>
-                                        </p:tgtEl>
-                                        <p:attrNameLst>
-                                          <p:attrName>ppt_x</p:attrName>
-                                        </p:attrNameLst>
-                                      </p:cBhvr>
-                                      <p:tavLst>
-                                        <p:tav tm="0" fmla="#ppt_x+(cos(-2*pi*(1-$))*-#ppt_x-sin(-2*pi*(1-$))*(1-#ppt_y))*(1-$)">
-                                          <p:val>
-                                            <p:fltVal val="0"/>
-                                          </p:val>
-                                        </p:tav>
-                                        <p:tav tm="100000">
-                                          <p:val>
-                                            <p:fltVal val="1"/>
-                                          </p:val>
-                                        </p:tav>
-                                      </p:tavLst>
-                                    </p:anim>
-                                    <p:anim calcmode="lin" valueType="num">
-                                      <p:cBhvr>
-                                        <p:cTn id="10" dur="1000" fill="hold"/>
-                                        <p:tgtEl>
-                                          <p:spTgt spid="121858"/>
-                                        </p:tgtEl>
-                                        <p:attrNameLst>
-                                          <p:attrName>ppt_y</p:attrName>
-                                        </p:attrNameLst>
-                                      </p:cBhvr>
-                                      <p:tavLst>
-                                        <p:tav tm="0" fmla="#ppt_y+(sin(-2*pi*(1-$))*-#ppt_x+cos(-2*pi*(1-$))*(1-#ppt_y))*(1-$)">
-                                          <p:val>
-                                            <p:fltVal val="0"/>
-                                          </p:val>
-                                        </p:tav>
-                                        <p:tav tm="100000">
-                                          <p:val>
-                                            <p:fltVal val="1"/>
-                                          </p:val>
-                                        </p:tav>
-                                      </p:tavLst>
-                                    </p:anim>
-                                  </p:childTnLst>
-                                </p:cTn>
-                              </p:par>
-                            </p:childTnLst>
-                          </p:cTn>
-                        </p:par>
-                      </p:childTnLst>
-                    </p:cTn>
-                  </p:par>
-                  <p:par>
-                    <p:cTn id="11" fill="hold">
-                      <p:stCondLst>
-                        <p:cond delay="indefinite"/>
-                      </p:stCondLst>
-                      <p:childTnLst>
-                        <p:par>
-                          <p:cTn id="12" fill="hold">
-                            <p:stCondLst>
-                              <p:cond delay="0"/>
-                            </p:stCondLst>
-                            <p:childTnLst>
-                              <p:par>
-                                <p:cTn id="13" presetID="1" presetClass="entr" presetSubtype="0" fill="hold" nodeType="clickEffect">
-                                  <p:stCondLst>
-                                    <p:cond delay="0"/>
-                                  </p:stCondLst>
-                                  <p:childTnLst>
-                                    <p:set>
-                                      <p:cBhvr>
-                                        <p:cTn id="14" dur="1" fill="hold">
-                                          <p:stCondLst>
-                                            <p:cond delay="0"/>
-                                          </p:stCondLst>
-                                        </p:cTn>
-                                        <p:tgtEl>
-                                          <p:spTgt spid="121859">
-                                            <p:txEl>
-                                              <p:pRg st="3" end="3"/>
-                                            </p:txEl>
-                                          </p:spTgt>
-                                        </p:tgtEl>
-                                        <p:attrNameLst>
-                                          <p:attrName>style.visibility</p:attrName>
-                                        </p:attrNameLst>
-                                      </p:cBhvr>
-                                      <p:to>
-                                        <p:strVal val="visible"/>
-                                      </p:to>
-                                    </p:set>
-                                  </p:childTnLst>
-                                </p:cTn>
-                              </p:par>
-                              <p:par>
-                                <p:cTn id="15" presetID="1" presetClass="entr" presetSubtype="0" fill="hold" nodeType="withEffect">
-                                  <p:stCondLst>
-                                    <p:cond delay="0"/>
-                                  </p:stCondLst>
-                                  <p:childTnLst>
-                                    <p:set>
-                                      <p:cBhvr>
-                                        <p:cTn id="16" dur="1" fill="hold">
-                                          <p:stCondLst>
-                                            <p:cond delay="0"/>
-                                          </p:stCondLst>
-                                        </p:cTn>
-                                        <p:tgtEl>
-                                          <p:spTgt spid="121859">
-                                            <p:txEl>
-                                              <p:pRg st="4" end="4"/>
-                                            </p:txEl>
-                                          </p:spTgt>
-                                        </p:tgtEl>
-                                        <p:attrNameLst>
-                                          <p:attrName>style.visibility</p:attrName>
-                                        </p:attrNameLst>
-                                      </p:cBhvr>
-                                      <p:to>
-                                        <p:strVal val="visible"/>
-                                      </p:to>
-                                    </p:set>
-                                  </p:childTnLst>
-                                </p:cTn>
-                              </p:par>
-                            </p:childTnLst>
-                          </p:cTn>
-                        </p:par>
-                      </p:childTnLst>
-                    </p:cTn>
-                  </p:par>
-                </p:childTnLst>
-              </p:cTn>
-              <p:prevCondLst>
-                <p:cond evt="onPrev" delay="0">
-                  <p:tgtEl>
-                    <p:sldTgt/>
-                  </p:tgtEl>
-                </p:cond>
-              </p:prevCondLst>
-              <p:nextCondLst>
-                <p:cond evt="onNext" delay="0">
-                  <p:tgtEl>
-                    <p:sldTgt/>
-                  </p:tgtEl>
-                </p:cond>
-              </p:nextCondLst>
-            </p:seq>
-          </p:childTnLst>
-        </p:cTn>
-      </p:par>
-    </p:tnLst>
-    <p:bldLst>
-      <p:bldP spid="121858" grpId="0"/>
-    </p:bldLst>
-  </p:timing>
-</p:sld>
-</file>
-
-<file path=ppt/slides/slide12.xml><?xml version="1.0" encoding="utf-8"?>
-<p:sld xmlns:a="http://schemas.openxmlformats.org/drawingml/2006/main" xmlns:r="http://schemas.openxmlformats.org/officeDocument/2006/relationships" xmlns:p="http://schemas.openxmlformats.org/presentationml/2006/main" show="0">
-  <p:cSld>
-    <p:spTree>
-      <p:nvGrpSpPr>
-        <p:cNvPr id="1" name=""/>
-        <p:cNvGrpSpPr/>
-        <p:nvPr/>
-      </p:nvGrpSpPr>
-      <p:grpSpPr>
-        <a:xfrm>
-          <a:off x="0" y="0"/>
-          <a:ext cx="0" cy="0"/>
-          <a:chOff x="0" y="0"/>
-          <a:chExt cx="0" cy="0"/>
-        </a:xfrm>
-      </p:grpSpPr>
-      <p:sp>
-        <p:nvSpPr>
-          <p:cNvPr id="122882" name="Rectangle 2"/>
-          <p:cNvSpPr>
-            <a:spLocks noGrp="1" noChangeArrowheads="1"/>
-          </p:cNvSpPr>
-          <p:nvPr>
-            <p:ph type="title"/>
-          </p:nvPr>
-        </p:nvSpPr>
-        <p:spPr>
-          <a:xfrm>
-            <a:off x="739775" y="228600"/>
-            <a:ext cx="7989888" cy="1577975"/>
-          </a:xfrm>
-        </p:spPr>
-        <p:txBody>
-          <a:bodyPr/>
-          <a:lstStyle/>
-          <a:p>
-            <a:r>
-              <a:rPr lang="en-US" sz="2800" dirty="0">
-                <a:solidFill>
-                  <a:schemeClr val="tx1"/>
-                </a:solidFill>
-              </a:rPr>
-              <a:t>G</a:t>
-            </a:r>
-            <a:r>
-              <a:rPr lang="en-US" sz="2800" dirty="0">
-                <a:solidFill>
-                  <a:schemeClr val="tx1"/>
-                </a:solidFill>
-                <a:cs typeface="Times New Roman" pitchFamily="18" charset="0"/>
-              </a:rPr>
-              <a:t>ö</a:t>
-            </a:r>
-            <a:r>
-              <a:rPr lang="en-US" sz="2800" dirty="0">
-                <a:solidFill>
-                  <a:schemeClr val="tx1"/>
-                </a:solidFill>
-              </a:rPr>
-              <a:t>del's </a:t>
-            </a:r>
-            <a:r>
-              <a:rPr lang="en-US" sz="2800" dirty="0">
-                <a:solidFill>
-                  <a:srgbClr val="9751CB"/>
-                </a:solidFill>
-              </a:rPr>
-              <a:t>In</a:t>
-            </a:r>
-            <a:r>
-              <a:rPr lang="en-US" sz="2800" dirty="0">
-                <a:solidFill>
-                  <a:schemeClr val="tx1"/>
-                </a:solidFill>
-              </a:rPr>
-              <a:t>completeness Theorem</a:t>
-            </a:r>
-            <a:br>
-              <a:rPr lang="en-US" sz="2800" dirty="0">
-                <a:solidFill>
-                  <a:schemeClr val="tx1"/>
-                </a:solidFill>
-              </a:rPr>
-            </a:br>
-            <a:r>
-              <a:rPr lang="en-US" sz="2800" dirty="0">
-                <a:solidFill>
-                  <a:schemeClr val="tx1"/>
-                </a:solidFill>
-              </a:rPr>
-              <a:t>for Arithmetic</a:t>
-            </a:r>
-          </a:p>
-        </p:txBody>
-      </p:sp>
-      <p:sp>
-        <p:nvSpPr>
-          <p:cNvPr id="122883" name="Rectangle 3"/>
-          <p:cNvSpPr>
-            <a:spLocks noGrp="1" noChangeArrowheads="1"/>
-          </p:cNvSpPr>
-          <p:nvPr>
-            <p:ph type="body" idx="1"/>
-          </p:nvPr>
-        </p:nvSpPr>
-        <p:spPr>
-          <a:xfrm>
-            <a:off x="250825" y="1574800"/>
-            <a:ext cx="8685213" cy="4941888"/>
-          </a:xfrm>
-        </p:spPr>
-        <p:txBody>
-          <a:bodyPr/>
-          <a:lstStyle/>
-          <a:p>
-            <a:pPr>
-              <a:lnSpc>
-                <a:spcPct val="90000"/>
-              </a:lnSpc>
-            </a:pPr>
-            <a:r>
-              <a:rPr lang="en-US" sz="4000" dirty="0" err="1"/>
-              <a:t>Thm</a:t>
-            </a:r>
-            <a:r>
-              <a:rPr lang="en-US" sz="4000" dirty="0"/>
-              <a:t> 3, </a:t>
-            </a:r>
-            <a:r>
-              <a:rPr lang="en-US" sz="4000" dirty="0">
-                <a:solidFill>
-                  <a:srgbClr val="CC0000"/>
-                </a:solidFill>
-              </a:rPr>
-              <a:t>Worse News</a:t>
-            </a:r>
-            <a:r>
-              <a:rPr lang="en-US" sz="4000" dirty="0"/>
-              <a:t>:</a:t>
-            </a:r>
-          </a:p>
-          <a:p>
-            <a:pPr>
-              <a:lnSpc>
-                <a:spcPct val="70000"/>
-              </a:lnSpc>
-            </a:pPr>
-            <a:r>
-              <a:rPr lang="en-US" sz="4000" dirty="0"/>
-              <a:t>if we stick to domain, </a:t>
-            </a:r>
-            <a:r>
-              <a:rPr lang="en-US" sz="4000" b="1" dirty="0">
-                <a:solidFill>
-                  <a:srgbClr val="000066"/>
-                </a:solidFill>
-                <a:sym typeface="Euclid Math Two" pitchFamily="18" charset="2"/>
-              </a:rPr>
-              <a:t></a:t>
-            </a:r>
-            <a:r>
-              <a:rPr lang="en-US" sz="4000" dirty="0">
-                <a:sym typeface="Euclid Math Two" pitchFamily="18" charset="2"/>
-              </a:rPr>
-              <a:t>, with</a:t>
-            </a:r>
-          </a:p>
-          <a:p>
-            <a:pPr>
-              <a:lnSpc>
-                <a:spcPct val="80000"/>
-              </a:lnSpc>
-            </a:pPr>
-            <a:r>
-              <a:rPr lang="en-US" sz="4000" dirty="0">
-                <a:sym typeface="Euclid Math Two" pitchFamily="18" charset="2"/>
-              </a:rPr>
-              <a:t>predicates    </a:t>
-            </a:r>
-            <a:r>
-              <a:rPr lang="en-US" sz="4000" dirty="0">
-                <a:solidFill>
-                  <a:srgbClr val="0000FF"/>
-                </a:solidFill>
-                <a:sym typeface="Euclid Math Two" pitchFamily="18" charset="2"/>
-              </a:rPr>
-              <a:t>x +  y = z</a:t>
-            </a:r>
-            <a:r>
-              <a:rPr lang="en-US" sz="4000" dirty="0" smtClean="0">
-                <a:solidFill>
-                  <a:srgbClr val="000066"/>
-                </a:solidFill>
-                <a:sym typeface="Euclid Math Two" pitchFamily="18" charset="2"/>
-              </a:rPr>
-              <a:t>,</a:t>
-            </a:r>
-          </a:p>
-          <a:p>
-            <a:pPr>
-              <a:lnSpc>
-                <a:spcPct val="80000"/>
-              </a:lnSpc>
-            </a:pPr>
-            <a:r>
-              <a:rPr lang="en-US" sz="4000" dirty="0" smtClean="0">
-                <a:solidFill>
-                  <a:srgbClr val="0000FF"/>
-                </a:solidFill>
-                <a:sym typeface="Euclid Math Two" pitchFamily="18" charset="2"/>
-              </a:rPr>
-              <a:t>				   </a:t>
-            </a:r>
-            <a:r>
-              <a:rPr lang="en-US" sz="4000" dirty="0" err="1" smtClean="0">
-                <a:solidFill>
-                  <a:srgbClr val="0000FF"/>
-                </a:solidFill>
-                <a:sym typeface="Euclid Math Two" pitchFamily="18" charset="2"/>
-              </a:rPr>
-              <a:t>x</a:t>
-            </a:r>
-            <a:r>
-              <a:rPr lang="en-US" sz="4000" dirty="0" smtClean="0">
-                <a:solidFill>
-                  <a:srgbClr val="0000FF"/>
-                </a:solidFill>
-                <a:sym typeface="Euclid Math Two" pitchFamily="18" charset="2"/>
-              </a:rPr>
-              <a:t> </a:t>
-            </a:r>
-            <a:r>
-              <a:rPr lang="en-US" sz="4000" dirty="0" smtClean="0">
-                <a:solidFill>
-                  <a:srgbClr val="0000FF"/>
-                </a:solidFill>
-                <a:latin typeface="Euclid Symbol" charset="2"/>
-                <a:sym typeface="Euclid Math Two" pitchFamily="18" charset="2"/>
-              </a:rPr>
-              <a:t>× </a:t>
-            </a:r>
-            <a:r>
-              <a:rPr lang="en-US" sz="4000" dirty="0" err="1" smtClean="0">
-                <a:solidFill>
-                  <a:srgbClr val="0000FF"/>
-                </a:solidFill>
-                <a:sym typeface="Euclid Math Two" pitchFamily="18" charset="2"/>
-              </a:rPr>
-              <a:t>y</a:t>
-            </a:r>
-            <a:r>
-              <a:rPr lang="en-US" sz="4000" dirty="0" smtClean="0">
-                <a:solidFill>
-                  <a:srgbClr val="0000FF"/>
-                </a:solidFill>
-                <a:sym typeface="Euclid Math Two" pitchFamily="18" charset="2"/>
-              </a:rPr>
-              <a:t> = </a:t>
-            </a:r>
-            <a:r>
-              <a:rPr lang="en-US" sz="4000" dirty="0">
-                <a:solidFill>
-                  <a:srgbClr val="0000FF"/>
-                </a:solidFill>
-                <a:sym typeface="Euclid Math Two" pitchFamily="18" charset="2"/>
-              </a:rPr>
-              <a:t>z</a:t>
-            </a:r>
-            <a:r>
-              <a:rPr lang="en-US" sz="4000" dirty="0">
-                <a:sym typeface="Euclid Math Two" pitchFamily="18" charset="2"/>
-              </a:rPr>
-              <a:t>,</a:t>
-            </a:r>
-          </a:p>
-          <a:p>
-            <a:pPr>
-              <a:lnSpc>
-                <a:spcPct val="90000"/>
-              </a:lnSpc>
-            </a:pPr>
-            <a:r>
-              <a:rPr lang="en-US" sz="4000" dirty="0">
-                <a:sym typeface="Euclid Math Two" pitchFamily="18" charset="2"/>
-              </a:rPr>
-              <a:t>then </a:t>
-            </a:r>
-            <a:r>
-              <a:rPr lang="en-US" sz="4000" dirty="0">
-                <a:solidFill>
-                  <a:srgbClr val="F80000"/>
-                </a:solidFill>
-                <a:sym typeface="Euclid Math Two" pitchFamily="18" charset="2"/>
-              </a:rPr>
-              <a:t>no </a:t>
-            </a:r>
-            <a:r>
-              <a:rPr lang="en-US" sz="4000" dirty="0">
-                <a:sym typeface="Euclid Math Two" pitchFamily="18" charset="2"/>
-              </a:rPr>
-              <a:t>proof system can</a:t>
-            </a:r>
-          </a:p>
-          <a:p>
-            <a:pPr>
-              <a:lnSpc>
-                <a:spcPct val="90000"/>
-              </a:lnSpc>
-            </a:pPr>
-            <a:r>
-              <a:rPr lang="en-US" sz="4000" dirty="0">
-                <a:sym typeface="Euclid Math Two" pitchFamily="18" charset="2"/>
-              </a:rPr>
-              <a:t>prove all the true assertions!</a:t>
-            </a:r>
-          </a:p>
-        </p:txBody>
-      </p:sp>
-    </p:spTree>
-  </p:cSld>
-  <p:clrMapOvr>
-    <a:masterClrMapping/>
-  </p:clrMapOvr>
-  <p:transition xmlns:p14="http://schemas.microsoft.com/office/powerpoint/2010/main"/>
-  <p:timing>
-    <p:tnLst>
-      <p:par>
-        <p:cTn xmlns:p14="http://schemas.microsoft.com/office/powerpoint/2010/main" id="1" dur="indefinite" restart="never" nodeType="tmRoot">
-          <p:childTnLst>
-            <p:seq concurrent="1" nextAc="seek">
-              <p:cTn id="2" dur="indefinite" nodeType="mainSeq">
-                <p:childTnLst>
-                  <p:par>
-                    <p:cTn id="3" fill="hold">
-                      <p:stCondLst>
-                        <p:cond delay="indefinite"/>
-                      </p:stCondLst>
-                      <p:childTnLst>
-                        <p:par>
-                          <p:cTn id="4" fill="hold">
-                            <p:stCondLst>
-                              <p:cond delay="0"/>
-                            </p:stCondLst>
-                            <p:childTnLst>
-                              <p:par>
-                                <p:cTn id="5" presetID="1" presetClass="entr" presetSubtype="0" fill="hold" nodeType="clickEffect">
-                                  <p:stCondLst>
-                                    <p:cond delay="0"/>
-                                  </p:stCondLst>
-                                  <p:childTnLst>
-                                    <p:set>
-                                      <p:cBhvr>
-                                        <p:cTn id="6" dur="1" fill="hold">
-                                          <p:stCondLst>
-                                            <p:cond delay="0"/>
-                                          </p:stCondLst>
-                                        </p:cTn>
-                                        <p:tgtEl>
-                                          <p:spTgt spid="122883">
-                                            <p:txEl>
-                                              <p:pRg st="4" end="4"/>
-                                            </p:txEl>
-                                          </p:spTgt>
-                                        </p:tgtEl>
-                                        <p:attrNameLst>
-                                          <p:attrName>style.visibility</p:attrName>
-                                        </p:attrNameLst>
-                                      </p:cBhvr>
-                                      <p:to>
-                                        <p:strVal val="visible"/>
-                                      </p:to>
-                                    </p:set>
-                                  </p:childTnLst>
-                                </p:cTn>
-                              </p:par>
-                              <p:par>
-                                <p:cTn id="7" presetID="1" presetClass="entr" presetSubtype="0" fill="hold" nodeType="withEffect">
-                                  <p:stCondLst>
-                                    <p:cond delay="0"/>
-                                  </p:stCondLst>
-                                  <p:childTnLst>
-                                    <p:set>
-                                      <p:cBhvr>
-                                        <p:cTn id="8" dur="1" fill="hold">
-                                          <p:stCondLst>
-                                            <p:cond delay="0"/>
-                                          </p:stCondLst>
-                                        </p:cTn>
-                                        <p:tgtEl>
-                                          <p:spTgt spid="122883">
-                                            <p:txEl>
-                                              <p:pRg st="5" end="5"/>
-                                            </p:txEl>
-                                          </p:spTgt>
-                                        </p:tgtEl>
-                                        <p:attrNameLst>
-                                          <p:attrName>style.visibility</p:attrName>
-                                        </p:attrNameLst>
-                                      </p:cBhvr>
-                                      <p:to>
-                                        <p:strVal val="visible"/>
-                                      </p:to>
-                                    </p:set>
-                                  </p:childTnLst>
-                                </p:cTn>
-                              </p:par>
-                            </p:childTnLst>
-                          </p:cTn>
-                        </p:par>
-                      </p:childTnLst>
-                    </p:cTn>
-                  </p:par>
-                </p:childTnLst>
-              </p:cTn>
-              <p:prevCondLst>
-                <p:cond evt="onPrev" delay="0">
-                  <p:tgtEl>
-                    <p:sldTgt/>
-                  </p:tgtEl>
-                </p:cond>
-              </p:prevCondLst>
-              <p:nextCondLst>
-                <p:cond evt="onNext" delay="0">
-                  <p:tgtEl>
-                    <p:sldTgt/>
-                  </p:tgtEl>
-                </p:cond>
-              </p:nextCondLst>
-            </p:seq>
-          </p:childTnLst>
-        </p:cTn>
-      </p:par>
-    </p:tnLst>
-  </p:timing>
-</p:sld>
-</file>
-
-<file path=ppt/slides/slide13.xml><?xml version="1.0" encoding="utf-8"?>
-<p:sld xmlns:a="http://schemas.openxmlformats.org/drawingml/2006/main" xmlns:r="http://schemas.openxmlformats.org/officeDocument/2006/relationships" xmlns:p="http://schemas.openxmlformats.org/presentationml/2006/main">
-  <p:cSld>
-    <p:spTree>
-      <p:nvGrpSpPr>
-        <p:cNvPr id="1" name=""/>
-        <p:cNvGrpSpPr/>
-        <p:nvPr/>
-      </p:nvGrpSpPr>
-      <p:grpSpPr>
-        <a:xfrm>
-          <a:off x="0" y="0"/>
-          <a:ext cx="0" cy="0"/>
-          <a:chOff x="0" y="0"/>
-          <a:chExt cx="0" cy="0"/>
-        </a:xfrm>
-      </p:grpSpPr>
-      <p:sp>
-        <p:nvSpPr>
-          <p:cNvPr id="123906" name="Rectangle 2"/>
-          <p:cNvSpPr>
-            <a:spLocks noGrp="1" noChangeArrowheads="1"/>
-          </p:cNvSpPr>
-          <p:nvPr>
-            <p:ph type="title"/>
-          </p:nvPr>
-        </p:nvSpPr>
-        <p:spPr/>
-        <p:txBody>
-          <a:bodyPr/>
-          <a:lstStyle/>
-          <a:p>
-            <a:r>
-              <a:rPr lang="en-US" sz="4000" dirty="0" smtClean="0"/>
-              <a:t>Profound Meta-Theorems</a:t>
-            </a:r>
-            <a:endParaRPr lang="en-US" sz="4000" dirty="0"/>
-          </a:p>
-        </p:txBody>
-      </p:sp>
-      <p:sp>
-        <p:nvSpPr>
-          <p:cNvPr id="123907" name="Rectangle 3"/>
-          <p:cNvSpPr>
-            <a:spLocks noGrp="1" noChangeArrowheads="1"/>
-          </p:cNvSpPr>
-          <p:nvPr>
-            <p:ph type="body" idx="1"/>
-          </p:nvPr>
-        </p:nvSpPr>
-        <p:spPr>
-          <a:xfrm>
-            <a:off x="223419" y="1681430"/>
-            <a:ext cx="8819161" cy="3598025"/>
-          </a:xfrm>
-        </p:spPr>
-        <p:txBody>
-          <a:bodyPr/>
-          <a:lstStyle/>
-          <a:p>
-            <a:r>
-              <a:rPr lang="en-US" sz="4000" dirty="0"/>
-              <a:t>We won't </a:t>
-            </a:r>
-            <a:r>
-              <a:rPr lang="en-US" sz="4000" dirty="0" smtClean="0"/>
-              <a:t>examine </a:t>
-            </a:r>
-            <a:r>
-              <a:rPr lang="en-US" sz="4000" dirty="0"/>
-              <a:t>these </a:t>
-            </a:r>
-            <a:r>
-              <a:rPr lang="en-US" sz="4000" dirty="0" smtClean="0"/>
-              <a:t>Theorems further.  Their </a:t>
-            </a:r>
-            <a:r>
-              <a:rPr lang="en-US" sz="4000" dirty="0"/>
-              <a:t>proofs usually require half </a:t>
-            </a:r>
-            <a:r>
-              <a:rPr lang="en-US" sz="4000" dirty="0" smtClean="0"/>
-              <a:t>a </a:t>
-            </a:r>
-            <a:r>
-              <a:rPr lang="en-US" sz="4000" dirty="0"/>
-              <a:t>term in an intro logic course </a:t>
-            </a:r>
-            <a:r>
-              <a:rPr lang="en-US" sz="4000" dirty="0" smtClean="0"/>
-              <a:t>after </a:t>
-            </a:r>
-            <a:r>
-              <a:rPr lang="en-US" sz="4000" dirty="0"/>
-              <a:t>6.042</a:t>
-            </a:r>
-            <a:r>
-              <a:rPr lang="en-US" sz="4000" dirty="0" smtClean="0"/>
-              <a:t>.  But they are interesting to think about.</a:t>
-            </a:r>
-            <a:endParaRPr lang="en-US" sz="2800" dirty="0"/>
-          </a:p>
-        </p:txBody>
-      </p:sp>
-    </p:spTree>
-  </p:cSld>
-  <p:clrMapOvr>
-    <a:masterClrMapping/>
-  </p:clrMapOvr>
-  <mc:AlternateContent xmlns:mc="http://schemas.openxmlformats.org/markup-compatibility/2006" xmlns:p14="http://schemas.microsoft.com/office/powerpoint/2010/main">
-    <mc:Choice Requires="p14">
-      <p:transition spd="med" p14:dur="700">
-        <p:fade/>
-      </p:transition>
-    </mc:Choice>
-    <mc:Fallback xmlns="">
-      <p:transition xmlns:p14="http://schemas.microsoft.com/office/powerpoint/2010/main" spd="med">
-        <p:fade/>
-      </p:transition>
-    </mc:Fallback>
-  </mc:AlternateContent>
-  <p:timing>
-    <p:tnLst>
-      <p:par>
-        <p:cTn xmlns:p14="http://schemas.microsoft.com/office/powerpoint/2010/main" id="1" dur="indefinite" restart="never" nodeType="tmRoot"/>
-      </p:par>
-    </p:tnLst>
-  </p:timing>
-</p:sld>
-</file>
-
-<file path=ppt/slides/slide14.xml><?xml version="1.0" encoding="utf-8"?>
-<p:sld xmlns:a="http://schemas.openxmlformats.org/drawingml/2006/main" xmlns:r="http://schemas.openxmlformats.org/officeDocument/2006/relationships" xmlns:p="http://schemas.openxmlformats.org/presentationml/2006/main" show="0">
-  <p:cSld>
-    <p:spTree>
-      <p:nvGrpSpPr>
-        <p:cNvPr id="1" name=""/>
-        <p:cNvGrpSpPr/>
-        <p:nvPr/>
-      </p:nvGrpSpPr>
-      <p:grpSpPr>
-        <a:xfrm>
-          <a:off x="0" y="0"/>
-          <a:ext cx="0" cy="0"/>
-          <a:chOff x="0" y="0"/>
-          <a:chExt cx="0" cy="0"/>
-        </a:xfrm>
-      </p:grpSpPr>
-      <p:sp>
-        <p:nvSpPr>
-          <p:cNvPr id="34819" name="Rectangle 2"/>
-          <p:cNvSpPr>
-            <a:spLocks noGrp="1" noChangeArrowheads="1"/>
-          </p:cNvSpPr>
-          <p:nvPr>
-            <p:ph type="title"/>
-          </p:nvPr>
-        </p:nvSpPr>
-        <p:spPr/>
-        <p:txBody>
-          <a:bodyPr/>
-          <a:lstStyle/>
-          <a:p>
-            <a:r>
-              <a:rPr lang="en-US" sz="4800" dirty="0" smtClean="0"/>
-              <a:t>Team Problems</a:t>
-            </a:r>
-          </a:p>
-        </p:txBody>
-      </p:sp>
-      <p:sp>
-        <p:nvSpPr>
-          <p:cNvPr id="34820" name="Rectangle 3"/>
-          <p:cNvSpPr>
-            <a:spLocks noGrp="1" noChangeArrowheads="1"/>
-          </p:cNvSpPr>
-          <p:nvPr>
-            <p:ph type="body" idx="1"/>
-          </p:nvPr>
-        </p:nvSpPr>
-        <p:spPr>
-          <a:xfrm>
-            <a:off x="502510" y="1479035"/>
-            <a:ext cx="8130746" cy="3900272"/>
-          </a:xfrm>
-        </p:spPr>
-        <p:txBody>
-          <a:bodyPr/>
-          <a:lstStyle/>
-          <a:p>
-            <a:pPr algn="ctr">
-              <a:spcBef>
-                <a:spcPts val="1200"/>
-              </a:spcBef>
-              <a:buFontTx/>
-              <a:buNone/>
-            </a:pPr>
-            <a:r>
-              <a:rPr lang="en-US" sz="11500" dirty="0" smtClean="0"/>
-              <a:t>Problems</a:t>
-            </a:r>
-          </a:p>
-          <a:p>
-            <a:pPr algn="ctr">
-              <a:spcBef>
-                <a:spcPts val="1200"/>
-              </a:spcBef>
-              <a:buFontTx/>
-              <a:buNone/>
-            </a:pPr>
-            <a:r>
-              <a:rPr lang="en-US" sz="11500" smtClean="0">
-                <a:sym typeface="Euclid Symbol"/>
-              </a:rPr>
-              <a:t>1</a:t>
-            </a:r>
-            <a:r>
-              <a:rPr lang="en-US" sz="11500" smtClean="0">
-                <a:latin typeface="Comic Sans MS"/>
-                <a:ea typeface="ＭＳ ゴシック"/>
-                <a:cs typeface="Comic Sans MS"/>
-                <a:sym typeface="Euclid Symbol"/>
-              </a:rPr>
-              <a:t>−</a:t>
-            </a:r>
-            <a:r>
-              <a:rPr lang="en-US" sz="11500" dirty="0">
-                <a:sym typeface="Euclid Symbol"/>
-              </a:rPr>
-              <a:t>4</a:t>
-            </a:r>
-            <a:endParaRPr lang="en-US" sz="12700" dirty="0" smtClean="0"/>
-          </a:p>
-        </p:txBody>
-      </p:sp>
-    </p:spTree>
-  </p:cSld>
-  <p:clrMapOvr>
-    <a:masterClrMapping/>
-  </p:clrMapOvr>
-  <p:transition xmlns:p14="http://schemas.microsoft.com/office/powerpoint/2010/main"/>
-  <p:timing>
-    <p:tnLst>
-      <p:par>
-        <p:cTn xmlns:p14="http://schemas.microsoft.com/office/powerpoint/2010/main" id="1" dur="indefinite" restart="never" nodeType="tmRoot"/>
-      </p:par>
-    </p:tnLst>
   </p:timing>
 </p:sld>
 </file>
@@ -5032,7 +3157,7 @@
           <a:graphicData uri="http://schemas.openxmlformats.org/presentationml/2006/ole">
             <mc:AlternateContent xmlns:mc="http://schemas.openxmlformats.org/markup-compatibility/2006">
               <mc:Choice xmlns:v="urn:schemas-microsoft-com:vml" Requires="v">
-                <p:oleObj spid="_x0000_s1038" name="Equation" r:id="rId4" imgW="2298600" imgH="228600" progId="Equation.DSMT4">
+                <p:oleObj spid="_x0000_s1043" name="Equation" r:id="rId4" imgW="2298600" imgH="228600" progId="Equation.DSMT4">
                   <p:embed/>
                 </p:oleObj>
               </mc:Choice>
@@ -5252,7 +3377,7 @@
           <a:graphicData uri="http://schemas.openxmlformats.org/presentationml/2006/ole">
             <mc:AlternateContent xmlns:mc="http://schemas.openxmlformats.org/markup-compatibility/2006">
               <mc:Choice xmlns:v="urn:schemas-microsoft-com:vml" Requires="v">
-                <p:oleObj spid="_x0000_s1039" name="Equation" r:id="rId6" imgW="914400" imgH="198720" progId="Equation.DSMT4">
+                <p:oleObj spid="_x0000_s1044" name="Equation" r:id="rId6" imgW="914400" imgH="198720" progId="Equation.DSMT4">
                   <p:embed/>
                 </p:oleObj>
               </mc:Choice>
@@ -5413,7 +3538,7 @@
           <a:graphicData uri="http://schemas.openxmlformats.org/presentationml/2006/ole">
             <mc:AlternateContent xmlns:mc="http://schemas.openxmlformats.org/markup-compatibility/2006">
               <mc:Choice xmlns:v="urn:schemas-microsoft-com:vml" Requires="v">
-                <p:oleObj spid="_x0000_s1040" name="Equation" r:id="rId8" imgW="406400" imgH="444500" progId="Equation.DSMT4">
+                <p:oleObj spid="_x0000_s1045" name="Equation" r:id="rId8" imgW="406400" imgH="444500" progId="Equation.DSMT4">
                   <p:embed/>
                 </p:oleObj>
               </mc:Choice>
@@ -5470,7 +3595,7 @@
           <a:graphicData uri="http://schemas.openxmlformats.org/presentationml/2006/ole">
             <mc:AlternateContent xmlns:mc="http://schemas.openxmlformats.org/markup-compatibility/2006">
               <mc:Choice xmlns:v="urn:schemas-microsoft-com:vml" Requires="v">
-                <p:oleObj spid="_x0000_s1041" name="Equation" r:id="rId10" imgW="279400" imgH="444500" progId="Equation.3">
+                <p:oleObj spid="_x0000_s1046" name="Equation" r:id="rId10" imgW="279400" imgH="444500" progId="Equation.3">
                   <p:embed/>
                 </p:oleObj>
               </mc:Choice>
@@ -5995,7 +4120,7 @@
           <a:graphicData uri="http://schemas.openxmlformats.org/presentationml/2006/ole">
             <mc:AlternateContent xmlns:mc="http://schemas.openxmlformats.org/markup-compatibility/2006">
               <mc:Choice xmlns:v="urn:schemas-microsoft-com:vml" Requires="v">
-                <p:oleObj spid="_x0000_s299019" name="Equation" r:id="rId4" imgW="914400" imgH="198720" progId="Equation.DSMT4">
+                <p:oleObj spid="_x0000_s299023" name="Equation" r:id="rId4" imgW="914400" imgH="198720" progId="Equation.DSMT4">
                   <p:embed/>
                 </p:oleObj>
               </mc:Choice>
@@ -6114,7 +4239,7 @@
           <a:graphicData uri="http://schemas.openxmlformats.org/presentationml/2006/ole">
             <mc:AlternateContent xmlns:mc="http://schemas.openxmlformats.org/markup-compatibility/2006">
               <mc:Choice xmlns:v="urn:schemas-microsoft-com:vml" Requires="v">
-                <p:oleObj spid="_x0000_s299020" name="Equation" r:id="rId6" imgW="2247840" imgH="228600" progId="Equation.DSMT4">
+                <p:oleObj spid="_x0000_s299024" name="Equation" r:id="rId6" imgW="2247840" imgH="228600" progId="Equation.DSMT4">
                   <p:embed/>
                 </p:oleObj>
               </mc:Choice>
@@ -6190,7 +4315,7 @@
           <a:graphicData uri="http://schemas.openxmlformats.org/presentationml/2006/ole">
             <mc:AlternateContent xmlns:mc="http://schemas.openxmlformats.org/markup-compatibility/2006">
               <mc:Choice xmlns:v="urn:schemas-microsoft-com:vml" Requires="v">
-                <p:oleObj spid="_x0000_s299021" name="Equation" r:id="rId8" imgW="825500" imgH="457200" progId="Equation.3">
+                <p:oleObj spid="_x0000_s299025" name="Equation" r:id="rId8" imgW="825500" imgH="457200" progId="Equation.3">
                   <p:embed/>
                 </p:oleObj>
               </mc:Choice>
@@ -6549,7 +4674,7 @@
           <a:graphicData uri="http://schemas.openxmlformats.org/presentationml/2006/ole">
             <mc:AlternateContent xmlns:mc="http://schemas.openxmlformats.org/markup-compatibility/2006">
               <mc:Choice xmlns:v="urn:schemas-microsoft-com:vml" Requires="v">
-                <p:oleObj spid="_x0000_s300037" name="Equation" r:id="rId4" imgW="2387600" imgH="228600" progId="Equation.3">
+                <p:oleObj spid="_x0000_s300039" name="Equation" r:id="rId4" imgW="2387600" imgH="228600" progId="Equation.3">
                   <p:embed/>
                 </p:oleObj>
               </mc:Choice>
@@ -7135,7 +5260,7 @@
           <a:graphicData uri="http://schemas.openxmlformats.org/presentationml/2006/ole">
             <mc:AlternateContent xmlns:mc="http://schemas.openxmlformats.org/markup-compatibility/2006">
               <mc:Choice xmlns:v="urn:schemas-microsoft-com:vml" Requires="v">
-                <p:oleObj spid="_x0000_s301067" name="Equation" r:id="rId4" imgW="2387600" imgH="228600" progId="Equation.DSMT4">
+                <p:oleObj spid="_x0000_s301071" name="Equation" r:id="rId4" imgW="2387600" imgH="228600" progId="Equation.DSMT4">
                   <p:embed/>
                 </p:oleObj>
               </mc:Choice>
@@ -7219,7 +5344,7 @@
             <a:graphicData uri="http://schemas.openxmlformats.org/presentationml/2006/ole">
               <mc:AlternateContent xmlns:mc="http://schemas.openxmlformats.org/markup-compatibility/2006">
                 <mc:Choice xmlns:v="urn:schemas-microsoft-com:vml" Requires="v">
-                  <p:oleObj spid="_x0000_s301068" name="Equation" r:id="rId6" imgW="812800" imgH="393700" progId="Equation.DSMT4">
+                  <p:oleObj spid="_x0000_s301072" name="Equation" r:id="rId6" imgW="812800" imgH="393700" progId="Equation.DSMT4">
                     <p:embed/>
                   </p:oleObj>
                 </mc:Choice>
@@ -7289,7 +5414,7 @@
             <a:graphicData uri="http://schemas.openxmlformats.org/presentationml/2006/ole">
               <mc:AlternateContent xmlns:mc="http://schemas.openxmlformats.org/markup-compatibility/2006">
                 <mc:Choice xmlns:v="urn:schemas-microsoft-com:vml" Requires="v">
-                  <p:oleObj spid="_x0000_s301069" name="Equation" r:id="rId8" imgW="812800" imgH="393700" progId="Equation.3">
+                  <p:oleObj spid="_x0000_s301073" name="Equation" r:id="rId8" imgW="812800" imgH="393700" progId="Equation.3">
                     <p:embed/>
                   </p:oleObj>
                 </mc:Choice>
@@ -7731,7 +5856,7 @@
           <a:graphicData uri="http://schemas.openxmlformats.org/presentationml/2006/ole">
             <mc:AlternateContent xmlns:mc="http://schemas.openxmlformats.org/markup-compatibility/2006">
               <mc:Choice xmlns:v="urn:schemas-microsoft-com:vml" Requires="v">
-                <p:oleObj spid="_x0000_s302085" name="Equation" r:id="rId4" imgW="2413000" imgH="228600" progId="Equation.3">
+                <p:oleObj spid="_x0000_s302087" name="Equation" r:id="rId4" imgW="2413000" imgH="228600" progId="Equation.3">
                   <p:embed/>
                 </p:oleObj>
               </mc:Choice>
@@ -7976,7 +6101,7 @@
           <a:graphicData uri="http://schemas.openxmlformats.org/presentationml/2006/ole">
             <mc:AlternateContent xmlns:mc="http://schemas.openxmlformats.org/markup-compatibility/2006">
               <mc:Choice xmlns:v="urn:schemas-microsoft-com:vml" Requires="v">
-                <p:oleObj spid="_x0000_s303109" name="Equation" r:id="rId4" imgW="2413000" imgH="228600" progId="Equation.3">
+                <p:oleObj spid="_x0000_s303111" name="Equation" r:id="rId4" imgW="2413000" imgH="228600" progId="Equation.3">
                   <p:embed/>
                 </p:oleObj>
               </mc:Choice>
@@ -8129,841 +6254,6 @@
         <p:cTn xmlns:p14="http://schemas.microsoft.com/office/powerpoint/2010/main" id="1" dur="indefinite" restart="never" nodeType="tmRoot"/>
       </p:par>
     </p:tnLst>
-  </p:timing>
-</p:sld>
-</file>
-
-<file path=ppt/slides/slide8.xml><?xml version="1.0" encoding="utf-8"?>
-<p:sld xmlns:a="http://schemas.openxmlformats.org/drawingml/2006/main" xmlns:r="http://schemas.openxmlformats.org/officeDocument/2006/relationships" xmlns:p="http://schemas.openxmlformats.org/presentationml/2006/main">
-  <p:cSld>
-    <p:spTree>
-      <p:nvGrpSpPr>
-        <p:cNvPr id="1" name=""/>
-        <p:cNvGrpSpPr/>
-        <p:nvPr/>
-      </p:nvGrpSpPr>
-      <p:grpSpPr>
-        <a:xfrm>
-          <a:off x="0" y="0"/>
-          <a:ext cx="0" cy="0"/>
-          <a:chOff x="0" y="0"/>
-          <a:chExt cx="0" cy="0"/>
-        </a:xfrm>
-      </p:grpSpPr>
-      <p:sp>
-        <p:nvSpPr>
-          <p:cNvPr id="118786" name="Rectangle 2"/>
-          <p:cNvSpPr>
-            <a:spLocks noGrp="1" noChangeArrowheads="1"/>
-          </p:cNvSpPr>
-          <p:nvPr>
-            <p:ph type="title"/>
-          </p:nvPr>
-        </p:nvSpPr>
-        <p:spPr/>
-        <p:txBody>
-          <a:bodyPr/>
-          <a:lstStyle/>
-          <a:p>
-            <a:r>
-              <a:rPr lang="en-US" sz="4000" dirty="0"/>
-              <a:t>Power &amp; Limits of Logic</a:t>
-            </a:r>
-          </a:p>
-        </p:txBody>
-      </p:sp>
-      <p:sp>
-        <p:nvSpPr>
-          <p:cNvPr id="118787" name="Text Box 3"/>
-          <p:cNvSpPr txBox="1">
-            <a:spLocks noGrp="1" noChangeArrowheads="1"/>
-          </p:cNvSpPr>
-          <p:nvPr>
-            <p:ph type="body" idx="1"/>
-          </p:nvPr>
-        </p:nvSpPr>
-        <p:spPr>
-          <a:xfrm>
-            <a:off x="354954" y="1738577"/>
-            <a:ext cx="8393653" cy="3317904"/>
-          </a:xfrm>
-          <a:noFill/>
-          <a:ln/>
-        </p:spPr>
-        <p:txBody>
-          <a:bodyPr/>
-          <a:lstStyle/>
-          <a:p>
-            <a:r>
-              <a:rPr lang="en-US" sz="6000" dirty="0" smtClean="0"/>
-              <a:t>        Two </a:t>
-            </a:r>
-            <a:r>
-              <a:rPr lang="en-US" sz="6000" dirty="0"/>
-              <a:t>Profound </a:t>
-            </a:r>
-            <a:endParaRPr lang="en-US" sz="6000" dirty="0" smtClean="0"/>
-          </a:p>
-          <a:p>
-            <a:r>
-              <a:rPr lang="en-US" sz="6000" dirty="0" smtClean="0"/>
-              <a:t>       Theorems </a:t>
-            </a:r>
-            <a:r>
-              <a:rPr lang="en-US" sz="6000" dirty="0"/>
-              <a:t>about </a:t>
-            </a:r>
-          </a:p>
-          <a:p>
-            <a:r>
-              <a:rPr lang="en-US" sz="6000" dirty="0" smtClean="0"/>
-              <a:t>     Mathematical </a:t>
-            </a:r>
-            <a:r>
-              <a:rPr lang="en-US" sz="6000" dirty="0"/>
-              <a:t>Logic</a:t>
-            </a:r>
-          </a:p>
-        </p:txBody>
-      </p:sp>
-      <p:sp>
-        <p:nvSpPr>
-          <p:cNvPr id="2" name="TextBox 1"/>
-          <p:cNvSpPr txBox="1"/>
-          <p:nvPr/>
-        </p:nvSpPr>
-        <p:spPr>
-          <a:xfrm>
-            <a:off x="141984" y="2856056"/>
-            <a:ext cx="2144487" cy="923330"/>
-          </a:xfrm>
-          <a:prstGeom prst="rect">
-            <a:avLst/>
-          </a:prstGeom>
-          <a:noFill/>
-        </p:spPr>
-        <p:txBody>
-          <a:bodyPr wrap="none" rtlCol="0">
-            <a:spAutoFit/>
-          </a:bodyPr>
-          <a:lstStyle/>
-          <a:p>
-            <a:r>
-              <a:rPr lang="en-US" sz="5400" dirty="0" smtClean="0">
-                <a:solidFill>
-                  <a:srgbClr val="0000FF"/>
-                </a:solidFill>
-                <a:latin typeface="Comic Sans MS"/>
-                <a:cs typeface="Comic Sans MS"/>
-              </a:rPr>
-              <a:t>Meta-</a:t>
-            </a:r>
-            <a:endParaRPr lang="en-US" sz="5400" dirty="0">
-              <a:solidFill>
-                <a:srgbClr val="0000FF"/>
-              </a:solidFill>
-              <a:latin typeface="Comic Sans MS"/>
-              <a:cs typeface="Comic Sans MS"/>
-            </a:endParaRPr>
-          </a:p>
-        </p:txBody>
-      </p:sp>
-    </p:spTree>
-  </p:cSld>
-  <p:clrMapOvr>
-    <a:masterClrMapping/>
-  </p:clrMapOvr>
-  <mc:AlternateContent xmlns:mc="http://schemas.openxmlformats.org/markup-compatibility/2006" xmlns:p14="http://schemas.microsoft.com/office/powerpoint/2010/main">
-    <mc:Choice Requires="p14">
-      <p:transition spd="slow" p14:dur="1300">
-        <p:fade thruBlk="1"/>
-      </p:transition>
-    </mc:Choice>
-    <mc:Fallback xmlns="">
-      <p:transition xmlns:p14="http://schemas.microsoft.com/office/powerpoint/2010/main" spd="slow">
-        <p:fade thruBlk="1"/>
-      </p:transition>
-    </mc:Fallback>
-  </mc:AlternateContent>
-  <p:timing>
-    <p:tnLst>
-      <p:par>
-        <p:cTn xmlns:p14="http://schemas.microsoft.com/office/powerpoint/2010/main" id="1" dur="indefinite" restart="never" nodeType="tmRoot">
-          <p:childTnLst>
-            <p:seq concurrent="1" nextAc="seek">
-              <p:cTn id="2" dur="indefinite" nodeType="mainSeq">
-                <p:childTnLst>
-                  <p:par>
-                    <p:cTn id="3" fill="hold">
-                      <p:stCondLst>
-                        <p:cond delay="indefinite"/>
-                      </p:stCondLst>
-                      <p:childTnLst>
-                        <p:par>
-                          <p:cTn id="4" fill="hold">
-                            <p:stCondLst>
-                              <p:cond delay="0"/>
-                            </p:stCondLst>
-                            <p:childTnLst>
-                              <p:par>
-                                <p:cTn id="5" presetID="9" presetClass="entr" presetSubtype="0" fill="hold" grpId="0" nodeType="clickEffect">
-                                  <p:stCondLst>
-                                    <p:cond delay="0"/>
-                                  </p:stCondLst>
-                                  <p:childTnLst>
-                                    <p:set>
-                                      <p:cBhvr>
-                                        <p:cTn id="6" dur="1" fill="hold">
-                                          <p:stCondLst>
-                                            <p:cond delay="0"/>
-                                          </p:stCondLst>
-                                        </p:cTn>
-                                        <p:tgtEl>
-                                          <p:spTgt spid="118786"/>
-                                        </p:tgtEl>
-                                        <p:attrNameLst>
-                                          <p:attrName>style.visibility</p:attrName>
-                                        </p:attrNameLst>
-                                      </p:cBhvr>
-                                      <p:to>
-                                        <p:strVal val="visible"/>
-                                      </p:to>
-                                    </p:set>
-                                    <p:animEffect transition="in" filter="dissolve">
-                                      <p:cBhvr>
-                                        <p:cTn id="7" dur="500"/>
-                                        <p:tgtEl>
-                                          <p:spTgt spid="118786"/>
-                                        </p:tgtEl>
-                                      </p:cBhvr>
-                                    </p:animEffect>
-                                  </p:childTnLst>
-                                </p:cTn>
-                              </p:par>
-                            </p:childTnLst>
-                          </p:cTn>
-                        </p:par>
-                      </p:childTnLst>
-                    </p:cTn>
-                  </p:par>
-                  <p:par>
-                    <p:cTn id="8" fill="hold">
-                      <p:stCondLst>
-                        <p:cond delay="indefinite"/>
-                      </p:stCondLst>
-                      <p:childTnLst>
-                        <p:par>
-                          <p:cTn id="9" fill="hold">
-                            <p:stCondLst>
-                              <p:cond delay="0"/>
-                            </p:stCondLst>
-                            <p:childTnLst>
-                              <p:par>
-                                <p:cTn id="10" presetID="2" presetClass="entr" presetSubtype="8" fill="hold" grpId="0" nodeType="clickEffect">
-                                  <p:stCondLst>
-                                    <p:cond delay="0"/>
-                                  </p:stCondLst>
-                                  <p:childTnLst>
-                                    <p:set>
-                                      <p:cBhvr>
-                                        <p:cTn id="11" dur="1" fill="hold">
-                                          <p:stCondLst>
-                                            <p:cond delay="0"/>
-                                          </p:stCondLst>
-                                        </p:cTn>
-                                        <p:tgtEl>
-                                          <p:spTgt spid="2"/>
-                                        </p:tgtEl>
-                                        <p:attrNameLst>
-                                          <p:attrName>style.visibility</p:attrName>
-                                        </p:attrNameLst>
-                                      </p:cBhvr>
-                                      <p:to>
-                                        <p:strVal val="visible"/>
-                                      </p:to>
-                                    </p:set>
-                                    <p:anim calcmode="lin" valueType="num">
-                                      <p:cBhvr additive="base">
-                                        <p:cTn id="12" dur="500" fill="hold"/>
-                                        <p:tgtEl>
-                                          <p:spTgt spid="2"/>
-                                        </p:tgtEl>
-                                        <p:attrNameLst>
-                                          <p:attrName>ppt_x</p:attrName>
-                                        </p:attrNameLst>
-                                      </p:cBhvr>
-                                      <p:tavLst>
-                                        <p:tav tm="0">
-                                          <p:val>
-                                            <p:strVal val="0-#ppt_w/2"/>
-                                          </p:val>
-                                        </p:tav>
-                                        <p:tav tm="100000">
-                                          <p:val>
-                                            <p:strVal val="#ppt_x"/>
-                                          </p:val>
-                                        </p:tav>
-                                      </p:tavLst>
-                                    </p:anim>
-                                    <p:anim calcmode="lin" valueType="num">
-                                      <p:cBhvr additive="base">
-                                        <p:cTn id="13" dur="500" fill="hold"/>
-                                        <p:tgtEl>
-                                          <p:spTgt spid="2"/>
-                                        </p:tgtEl>
-                                        <p:attrNameLst>
-                                          <p:attrName>ppt_y</p:attrName>
-                                        </p:attrNameLst>
-                                      </p:cBhvr>
-                                      <p:tavLst>
-                                        <p:tav tm="0">
-                                          <p:val>
-                                            <p:strVal val="#ppt_y"/>
-                                          </p:val>
-                                        </p:tav>
-                                        <p:tav tm="100000">
-                                          <p:val>
-                                            <p:strVal val="#ppt_y"/>
-                                          </p:val>
-                                        </p:tav>
-                                      </p:tavLst>
-                                    </p:anim>
-                                  </p:childTnLst>
-                                </p:cTn>
-                              </p:par>
-                            </p:childTnLst>
-                          </p:cTn>
-                        </p:par>
-                      </p:childTnLst>
-                    </p:cTn>
-                  </p:par>
-                </p:childTnLst>
-              </p:cTn>
-              <p:prevCondLst>
-                <p:cond evt="onPrev" delay="0">
-                  <p:tgtEl>
-                    <p:sldTgt/>
-                  </p:tgtEl>
-                </p:cond>
-              </p:prevCondLst>
-              <p:nextCondLst>
-                <p:cond evt="onNext" delay="0">
-                  <p:tgtEl>
-                    <p:sldTgt/>
-                  </p:tgtEl>
-                </p:cond>
-              </p:nextCondLst>
-            </p:seq>
-          </p:childTnLst>
-        </p:cTn>
-      </p:par>
-    </p:tnLst>
-    <p:bldLst>
-      <p:bldP spid="118786" grpId="0"/>
-      <p:bldP spid="2" grpId="0"/>
-    </p:bldLst>
-  </p:timing>
-</p:sld>
-</file>
-
-<file path=ppt/slides/slide9.xml><?xml version="1.0" encoding="utf-8"?>
-<p:sld xmlns:a="http://schemas.openxmlformats.org/drawingml/2006/main" xmlns:r="http://schemas.openxmlformats.org/officeDocument/2006/relationships" xmlns:p="http://schemas.openxmlformats.org/presentationml/2006/main">
-  <p:cSld>
-    <p:spTree>
-      <p:nvGrpSpPr>
-        <p:cNvPr id="1" name=""/>
-        <p:cNvGrpSpPr/>
-        <p:nvPr/>
-      </p:nvGrpSpPr>
-      <p:grpSpPr>
-        <a:xfrm>
-          <a:off x="0" y="0"/>
-          <a:ext cx="0" cy="0"/>
-          <a:chOff x="0" y="0"/>
-          <a:chExt cx="0" cy="0"/>
-        </a:xfrm>
-      </p:grpSpPr>
-      <p:sp>
-        <p:nvSpPr>
-          <p:cNvPr id="119810" name="Rectangle 2"/>
-          <p:cNvSpPr>
-            <a:spLocks noGrp="1" noChangeArrowheads="1"/>
-          </p:cNvSpPr>
-          <p:nvPr>
-            <p:ph type="title"/>
-          </p:nvPr>
-        </p:nvSpPr>
-        <p:spPr>
-          <a:xfrm>
-            <a:off x="1650999" y="363538"/>
-            <a:ext cx="7333271" cy="1009048"/>
-          </a:xfrm>
-        </p:spPr>
-        <p:txBody>
-          <a:bodyPr/>
-          <a:lstStyle/>
-          <a:p>
-            <a:r>
-              <a:rPr lang="en-US" sz="3600" dirty="0"/>
-              <a:t>G</a:t>
-            </a:r>
-            <a:r>
-              <a:rPr lang="en-US" sz="3600" dirty="0">
-                <a:cs typeface="Times New Roman" pitchFamily="18" charset="0"/>
-              </a:rPr>
-              <a:t>ö</a:t>
-            </a:r>
-            <a:r>
-              <a:rPr lang="en-US" sz="3600" dirty="0"/>
-              <a:t>del's </a:t>
-            </a:r>
-            <a:r>
-              <a:rPr lang="en-US" sz="3600" dirty="0">
-                <a:solidFill>
-                  <a:srgbClr val="008000"/>
-                </a:solidFill>
-              </a:rPr>
-              <a:t>Completeness</a:t>
-            </a:r>
-            <a:r>
-              <a:rPr lang="en-US" sz="3600" dirty="0"/>
-              <a:t> Theorem</a:t>
-            </a:r>
-            <a:endParaRPr lang="en-US" sz="4000" dirty="0">
-              <a:solidFill>
-                <a:srgbClr val="006600"/>
-              </a:solidFill>
-            </a:endParaRPr>
-          </a:p>
-        </p:txBody>
-      </p:sp>
-      <p:sp>
-        <p:nvSpPr>
-          <p:cNvPr id="119811" name="Text Box 3"/>
-          <p:cNvSpPr txBox="1">
-            <a:spLocks noChangeArrowheads="1"/>
-          </p:cNvSpPr>
-          <p:nvPr/>
-        </p:nvSpPr>
-        <p:spPr bwMode="auto">
-          <a:xfrm>
-            <a:off x="433728" y="1718994"/>
-            <a:ext cx="8276544" cy="3416320"/>
-          </a:xfrm>
-          <a:prstGeom prst="rect">
-            <a:avLst/>
-          </a:prstGeom>
-          <a:noFill/>
-          <a:ln w="9525">
-            <a:noFill/>
-            <a:miter lim="800000"/>
-            <a:headEnd/>
-            <a:tailEnd/>
-          </a:ln>
-          <a:effectLst/>
-        </p:spPr>
-        <p:txBody>
-          <a:bodyPr wrap="square">
-            <a:spAutoFit/>
-          </a:bodyPr>
-          <a:lstStyle/>
-          <a:p>
-            <a:r>
-              <a:rPr lang="en-US" sz="4400" dirty="0" err="1">
-                <a:latin typeface="Comic Sans MS" pitchFamily="66" charset="0"/>
-              </a:rPr>
-              <a:t>Thm</a:t>
-            </a:r>
-            <a:r>
-              <a:rPr lang="en-US" sz="4400" dirty="0">
-                <a:latin typeface="Comic Sans MS" pitchFamily="66" charset="0"/>
-              </a:rPr>
-              <a:t> 1,</a:t>
-            </a:r>
-            <a:r>
-              <a:rPr lang="en-US" sz="4400" dirty="0">
-                <a:solidFill>
-                  <a:srgbClr val="008000"/>
-                </a:solidFill>
-                <a:latin typeface="Comic Sans MS" pitchFamily="66" charset="0"/>
-              </a:rPr>
-              <a:t> good </a:t>
-            </a:r>
-            <a:r>
-              <a:rPr lang="en-US" sz="4400" dirty="0" smtClean="0">
-                <a:solidFill>
-                  <a:srgbClr val="008000"/>
-                </a:solidFill>
-                <a:latin typeface="Comic Sans MS" pitchFamily="66" charset="0"/>
-              </a:rPr>
-              <a:t>news</a:t>
-            </a:r>
-            <a:r>
-              <a:rPr lang="en-US" sz="4400" dirty="0" smtClean="0">
-                <a:latin typeface="Comic Sans MS" pitchFamily="66" charset="0"/>
-              </a:rPr>
-              <a:t>: only </a:t>
-            </a:r>
-            <a:r>
-              <a:rPr lang="en-US" sz="4400" dirty="0">
-                <a:latin typeface="Comic Sans MS" pitchFamily="66" charset="0"/>
-              </a:rPr>
-              <a:t>need to </a:t>
-            </a:r>
-            <a:r>
-              <a:rPr lang="en-US" sz="4400" dirty="0" smtClean="0">
-                <a:latin typeface="Comic Sans MS" pitchFamily="66" charset="0"/>
-              </a:rPr>
-              <a:t>know </a:t>
-            </a:r>
-            <a:r>
-              <a:rPr lang="en-US" sz="4400" dirty="0">
-                <a:latin typeface="Comic Sans MS" pitchFamily="66" charset="0"/>
-              </a:rPr>
-              <a:t>a few axioms &amp; </a:t>
-            </a:r>
-            <a:r>
-              <a:rPr lang="en-US" sz="4400" dirty="0" smtClean="0">
-                <a:latin typeface="Comic Sans MS" pitchFamily="66" charset="0"/>
-              </a:rPr>
-              <a:t>rules </a:t>
-            </a:r>
-            <a:r>
-              <a:rPr lang="en-US" sz="4400" dirty="0">
-                <a:latin typeface="Comic Sans MS" pitchFamily="66" charset="0"/>
-              </a:rPr>
-              <a:t>to prove </a:t>
-            </a:r>
-            <a:r>
-              <a:rPr lang="en-US" sz="4400" dirty="0" smtClean="0">
-                <a:solidFill>
-                  <a:srgbClr val="006600"/>
-                </a:solidFill>
-                <a:latin typeface="Comic Sans MS" pitchFamily="66" charset="0"/>
-              </a:rPr>
-              <a:t>all </a:t>
-            </a:r>
-            <a:r>
-              <a:rPr lang="en-US" sz="4400" dirty="0" smtClean="0">
-                <a:latin typeface="Comic Sans MS" pitchFamily="66" charset="0"/>
-              </a:rPr>
-              <a:t>valid formulas.</a:t>
-            </a:r>
-            <a:endParaRPr lang="en-US" sz="4400" dirty="0">
-              <a:latin typeface="Comic Sans MS" pitchFamily="66" charset="0"/>
-            </a:endParaRPr>
-          </a:p>
-          <a:p>
-            <a:r>
-              <a:rPr lang="en-US" sz="4000" dirty="0" smtClean="0">
-                <a:latin typeface="Comic Sans MS" pitchFamily="66" charset="0"/>
-              </a:rPr>
-              <a:t> (in theory; in practice need</a:t>
-            </a:r>
-          </a:p>
-          <a:p>
-            <a:r>
-              <a:rPr lang="en-US" sz="4000" dirty="0" smtClean="0">
-                <a:latin typeface="Comic Sans MS" pitchFamily="66" charset="0"/>
-              </a:rPr>
-              <a:t>   lots of rules)</a:t>
-            </a:r>
-            <a:endParaRPr lang="en-US" sz="4000" dirty="0">
-              <a:latin typeface="Comic Sans MS" pitchFamily="66" charset="0"/>
-            </a:endParaRPr>
-          </a:p>
-        </p:txBody>
-      </p:sp>
-    </p:spTree>
-  </p:cSld>
-  <p:clrMapOvr>
-    <a:masterClrMapping/>
-  </p:clrMapOvr>
-  <mc:AlternateContent xmlns:mc="http://schemas.openxmlformats.org/markup-compatibility/2006" xmlns:p14="http://schemas.microsoft.com/office/powerpoint/2010/main">
-    <mc:Choice Requires="p14">
-      <p:transition spd="med" p14:dur="700">
-        <p:fade/>
-      </p:transition>
-    </mc:Choice>
-    <mc:Fallback xmlns="">
-      <p:transition xmlns:p14="http://schemas.microsoft.com/office/powerpoint/2010/main" spd="med">
-        <p:fade/>
-      </p:transition>
-    </mc:Fallback>
-  </mc:AlternateContent>
-  <p:timing>
-    <p:tnLst>
-      <p:par>
-        <p:cTn xmlns:p14="http://schemas.microsoft.com/office/powerpoint/2010/main" id="1" dur="indefinite" restart="never" nodeType="tmRoot">
-          <p:childTnLst>
-            <p:seq concurrent="1" nextAc="seek">
-              <p:cTn id="2" dur="indefinite" nodeType="mainSeq">
-                <p:childTnLst>
-                  <p:par>
-                    <p:cTn id="3" fill="hold">
-                      <p:stCondLst>
-                        <p:cond delay="indefinite"/>
-                      </p:stCondLst>
-                      <p:childTnLst>
-                        <p:par>
-                          <p:cTn id="4" fill="hold">
-                            <p:stCondLst>
-                              <p:cond delay="0"/>
-                            </p:stCondLst>
-                            <p:childTnLst>
-                              <p:par>
-                                <p:cTn id="5" presetID="9" presetClass="entr" presetSubtype="0" fill="hold" nodeType="clickEffect">
-                                  <p:stCondLst>
-                                    <p:cond delay="0"/>
-                                  </p:stCondLst>
-                                  <p:childTnLst>
-                                    <p:set>
-                                      <p:cBhvr>
-                                        <p:cTn id="6" dur="1" fill="hold">
-                                          <p:stCondLst>
-                                            <p:cond delay="0"/>
-                                          </p:stCondLst>
-                                        </p:cTn>
-                                        <p:tgtEl>
-                                          <p:spTgt spid="119811">
-                                            <p:txEl>
-                                              <p:pRg st="1" end="1"/>
-                                            </p:txEl>
-                                          </p:spTgt>
-                                        </p:tgtEl>
-                                        <p:attrNameLst>
-                                          <p:attrName>style.visibility</p:attrName>
-                                        </p:attrNameLst>
-                                      </p:cBhvr>
-                                      <p:to>
-                                        <p:strVal val="visible"/>
-                                      </p:to>
-                                    </p:set>
-                                    <p:animEffect transition="in" filter="dissolve">
-                                      <p:cBhvr>
-                                        <p:cTn id="7" dur="500"/>
-                                        <p:tgtEl>
-                                          <p:spTgt spid="119811">
-                                            <p:txEl>
-                                              <p:pRg st="1" end="1"/>
-                                            </p:txEl>
-                                          </p:spTgt>
-                                        </p:tgtEl>
-                                      </p:cBhvr>
-                                    </p:animEffect>
-                                  </p:childTnLst>
-                                </p:cTn>
-                              </p:par>
-                              <p:par>
-                                <p:cTn id="8" presetID="9" presetClass="entr" presetSubtype="0" fill="hold" nodeType="withEffect">
-                                  <p:stCondLst>
-                                    <p:cond delay="0"/>
-                                  </p:stCondLst>
-                                  <p:childTnLst>
-                                    <p:set>
-                                      <p:cBhvr>
-                                        <p:cTn id="9" dur="1" fill="hold">
-                                          <p:stCondLst>
-                                            <p:cond delay="0"/>
-                                          </p:stCondLst>
-                                        </p:cTn>
-                                        <p:tgtEl>
-                                          <p:spTgt spid="119811">
-                                            <p:txEl>
-                                              <p:pRg st="2" end="2"/>
-                                            </p:txEl>
-                                          </p:spTgt>
-                                        </p:tgtEl>
-                                        <p:attrNameLst>
-                                          <p:attrName>style.visibility</p:attrName>
-                                        </p:attrNameLst>
-                                      </p:cBhvr>
-                                      <p:to>
-                                        <p:strVal val="visible"/>
-                                      </p:to>
-                                    </p:set>
-                                    <p:animEffect transition="in" filter="dissolve">
-                                      <p:cBhvr>
-                                        <p:cTn id="10" dur="500"/>
-                                        <p:tgtEl>
-                                          <p:spTgt spid="119811">
-                                            <p:txEl>
-                                              <p:pRg st="2" end="2"/>
-                                            </p:txEl>
-                                          </p:spTgt>
-                                        </p:tgtEl>
-                                      </p:cBhvr>
-                                    </p:animEffect>
-                                  </p:childTnLst>
-                                </p:cTn>
-                              </p:par>
-                            </p:childTnLst>
-                          </p:cTn>
-                        </p:par>
-                      </p:childTnLst>
-                    </p:cTn>
-                  </p:par>
-                  <p:par>
-                    <p:cTn id="11" fill="hold">
-                      <p:stCondLst>
-                        <p:cond delay="indefinite"/>
-                      </p:stCondLst>
-                      <p:childTnLst>
-                        <p:par>
-                          <p:cTn id="12" fill="hold">
-                            <p:stCondLst>
-                              <p:cond delay="0"/>
-                            </p:stCondLst>
-                            <p:childTnLst>
-                              <p:par>
-                                <p:cTn id="13" presetID="15" presetClass="entr" presetSubtype="0" fill="hold" grpId="0" nodeType="clickEffect">
-                                  <p:stCondLst>
-                                    <p:cond delay="0"/>
-                                  </p:stCondLst>
-                                  <p:childTnLst>
-                                    <p:set>
-                                      <p:cBhvr>
-                                        <p:cTn id="14" dur="1" fill="hold">
-                                          <p:stCondLst>
-                                            <p:cond delay="0"/>
-                                          </p:stCondLst>
-                                        </p:cTn>
-                                        <p:tgtEl>
-                                          <p:spTgt spid="119810"/>
-                                        </p:tgtEl>
-                                        <p:attrNameLst>
-                                          <p:attrName>style.visibility</p:attrName>
-                                        </p:attrNameLst>
-                                      </p:cBhvr>
-                                      <p:to>
-                                        <p:strVal val="visible"/>
-                                      </p:to>
-                                    </p:set>
-                                    <p:anim calcmode="lin" valueType="num">
-                                      <p:cBhvr>
-                                        <p:cTn id="15" dur="1000" fill="hold"/>
-                                        <p:tgtEl>
-                                          <p:spTgt spid="119810"/>
-                                        </p:tgtEl>
-                                        <p:attrNameLst>
-                                          <p:attrName>ppt_w</p:attrName>
-                                        </p:attrNameLst>
-                                      </p:cBhvr>
-                                      <p:tavLst>
-                                        <p:tav tm="0">
-                                          <p:val>
-                                            <p:fltVal val="0"/>
-                                          </p:val>
-                                        </p:tav>
-                                        <p:tav tm="100000">
-                                          <p:val>
-                                            <p:strVal val="#ppt_w"/>
-                                          </p:val>
-                                        </p:tav>
-                                      </p:tavLst>
-                                    </p:anim>
-                                    <p:anim calcmode="lin" valueType="num">
-                                      <p:cBhvr>
-                                        <p:cTn id="16" dur="1000" fill="hold"/>
-                                        <p:tgtEl>
-                                          <p:spTgt spid="119810"/>
-                                        </p:tgtEl>
-                                        <p:attrNameLst>
-                                          <p:attrName>ppt_h</p:attrName>
-                                        </p:attrNameLst>
-                                      </p:cBhvr>
-                                      <p:tavLst>
-                                        <p:tav tm="0">
-                                          <p:val>
-                                            <p:fltVal val="0"/>
-                                          </p:val>
-                                        </p:tav>
-                                        <p:tav tm="100000">
-                                          <p:val>
-                                            <p:strVal val="#ppt_h"/>
-                                          </p:val>
-                                        </p:tav>
-                                      </p:tavLst>
-                                    </p:anim>
-                                    <p:anim calcmode="lin" valueType="num">
-                                      <p:cBhvr>
-                                        <p:cTn id="17" dur="1000" fill="hold"/>
-                                        <p:tgtEl>
-                                          <p:spTgt spid="119810"/>
-                                        </p:tgtEl>
-                                        <p:attrNameLst>
-                                          <p:attrName>ppt_x</p:attrName>
-                                        </p:attrNameLst>
-                                      </p:cBhvr>
-                                      <p:tavLst>
-                                        <p:tav tm="0" fmla="#ppt_x+(cos(-2*pi*(1-$))*-#ppt_x-sin(-2*pi*(1-$))*(1-#ppt_y))*(1-$)">
-                                          <p:val>
-                                            <p:fltVal val="0"/>
-                                          </p:val>
-                                        </p:tav>
-                                        <p:tav tm="100000">
-                                          <p:val>
-                                            <p:fltVal val="1"/>
-                                          </p:val>
-                                        </p:tav>
-                                      </p:tavLst>
-                                    </p:anim>
-                                    <p:anim calcmode="lin" valueType="num">
-                                      <p:cBhvr>
-                                        <p:cTn id="18" dur="1000" fill="hold"/>
-                                        <p:tgtEl>
-                                          <p:spTgt spid="119810"/>
-                                        </p:tgtEl>
-                                        <p:attrNameLst>
-                                          <p:attrName>ppt_y</p:attrName>
-                                        </p:attrNameLst>
-                                      </p:cBhvr>
-                                      <p:tavLst>
-                                        <p:tav tm="0" fmla="#ppt_y+(sin(-2*pi*(1-$))*-#ppt_x+cos(-2*pi*(1-$))*(1-#ppt_y))*(1-$)">
-                                          <p:val>
-                                            <p:fltVal val="0"/>
-                                          </p:val>
-                                        </p:tav>
-                                        <p:tav tm="100000">
-                                          <p:val>
-                                            <p:fltVal val="1"/>
-                                          </p:val>
-                                        </p:tav>
-                                      </p:tavLst>
-                                    </p:anim>
-                                  </p:childTnLst>
-                                </p:cTn>
-                              </p:par>
-                            </p:childTnLst>
-                          </p:cTn>
-                        </p:par>
-                      </p:childTnLst>
-                    </p:cTn>
-                  </p:par>
-                </p:childTnLst>
-              </p:cTn>
-              <p:prevCondLst>
-                <p:cond evt="onPrev" delay="0">
-                  <p:tgtEl>
-                    <p:sldTgt/>
-                  </p:tgtEl>
-                </p:cond>
-              </p:prevCondLst>
-              <p:nextCondLst>
-                <p:cond evt="onNext" delay="0">
-                  <p:tgtEl>
-                    <p:sldTgt/>
-                  </p:tgtEl>
-                </p:cond>
-              </p:nextCondLst>
-            </p:seq>
-          </p:childTnLst>
-        </p:cTn>
-      </p:par>
-    </p:tnLst>
-    <p:bldLst>
-      <p:bldP spid="119810" grpId="0"/>
-    </p:bldLst>
   </p:timing>
 </p:sld>
 </file>

--- a/spring16/slidesS16/predicate-logic3.pptx
+++ b/spring16/slidesS16/predicate-logic3.pptx
@@ -2241,8 +2241,8 @@
         </p:nvSpPr>
         <p:spPr bwMode="auto">
           <a:xfrm>
-            <a:off x="8285870" y="6556290"/>
-            <a:ext cx="848522" cy="261610"/>
+            <a:off x="8298681" y="6556290"/>
+            <a:ext cx="835711" cy="261610"/>
           </a:xfrm>
           <a:prstGeom prst="rect">
             <a:avLst/>
@@ -2264,22 +2264,13 @@
           <a:p>
             <a:pPr algn="r"/>
             <a:r>
-              <a:rPr lang="en-US" sz="1100" dirty="0" err="1">
-                <a:solidFill>
-                  <a:srgbClr val="000000"/>
-                </a:solidFill>
-                <a:latin typeface="Comic Sans MS" pitchFamily="66" charset="0"/>
-              </a:rPr>
-              <a:t>lec</a:t>
-            </a:r>
-            <a:r>
               <a:rPr lang="en-US" sz="1100" dirty="0" smtClean="0">
                 <a:solidFill>
                   <a:srgbClr val="000000"/>
                 </a:solidFill>
                 <a:latin typeface="Comic Sans MS" pitchFamily="66" charset="0"/>
               </a:rPr>
-              <a:t> 2F.</a:t>
+              <a:t>pred3.</a:t>
             </a:r>
             <a:fld id="{89C6A585-43E0-42A7-B7F4-EFE79D431EC1}" type="slidenum">
               <a:rPr lang="en-US" sz="1100" smtClean="0">
@@ -3006,19 +2997,8 @@
                 <a:latin typeface="Comic Sans MS" pitchFamily="66" charset="0"/>
                 <a:ea typeface="+mj-ea"/>
               </a:rPr>
-              <a:t>in </a:t>
-            </a:r>
-            <a:r>
-              <a:rPr lang="en-US" sz="6000" kern="0" dirty="0" smtClean="0">
-                <a:latin typeface="Comic Sans MS" pitchFamily="66" charset="0"/>
-                <a:ea typeface="+mj-ea"/>
-              </a:rPr>
-              <a:t>English</a:t>
-            </a:r>
-            <a:endParaRPr lang="en-US" sz="6000" kern="0" dirty="0" smtClean="0">
-              <a:latin typeface="Comic Sans MS" pitchFamily="66" charset="0"/>
-              <a:ea typeface="+mj-ea"/>
-            </a:endParaRPr>
+              <a:t>in English</a:t>
+            </a:r>
           </a:p>
         </p:txBody>
       </p:sp>
@@ -3157,7 +3137,7 @@
           <a:graphicData uri="http://schemas.openxmlformats.org/presentationml/2006/ole">
             <mc:AlternateContent xmlns:mc="http://schemas.openxmlformats.org/markup-compatibility/2006">
               <mc:Choice xmlns:v="urn:schemas-microsoft-com:vml" Requires="v">
-                <p:oleObj spid="_x0000_s1043" name="Equation" r:id="rId4" imgW="2298600" imgH="228600" progId="Equation.DSMT4">
+                <p:oleObj spid="_x0000_s1048" name="Equation" r:id="rId4" imgW="2298600" imgH="228600" progId="Equation.DSMT4">
                   <p:embed/>
                 </p:oleObj>
               </mc:Choice>
@@ -3377,7 +3357,7 @@
           <a:graphicData uri="http://schemas.openxmlformats.org/presentationml/2006/ole">
             <mc:AlternateContent xmlns:mc="http://schemas.openxmlformats.org/markup-compatibility/2006">
               <mc:Choice xmlns:v="urn:schemas-microsoft-com:vml" Requires="v">
-                <p:oleObj spid="_x0000_s1044" name="Equation" r:id="rId6" imgW="914400" imgH="198720" progId="Equation.DSMT4">
+                <p:oleObj spid="_x0000_s1049" name="Equation" r:id="rId6" imgW="914400" imgH="198720" progId="Equation.DSMT4">
                   <p:embed/>
                 </p:oleObj>
               </mc:Choice>
@@ -3538,7 +3518,7 @@
           <a:graphicData uri="http://schemas.openxmlformats.org/presentationml/2006/ole">
             <mc:AlternateContent xmlns:mc="http://schemas.openxmlformats.org/markup-compatibility/2006">
               <mc:Choice xmlns:v="urn:schemas-microsoft-com:vml" Requires="v">
-                <p:oleObj spid="_x0000_s1045" name="Equation" r:id="rId8" imgW="406400" imgH="444500" progId="Equation.DSMT4">
+                <p:oleObj spid="_x0000_s1050" name="Equation" r:id="rId8" imgW="406400" imgH="444500" progId="Equation.DSMT4">
                   <p:embed/>
                 </p:oleObj>
               </mc:Choice>
@@ -3595,7 +3575,7 @@
           <a:graphicData uri="http://schemas.openxmlformats.org/presentationml/2006/ole">
             <mc:AlternateContent xmlns:mc="http://schemas.openxmlformats.org/markup-compatibility/2006">
               <mc:Choice xmlns:v="urn:schemas-microsoft-com:vml" Requires="v">
-                <p:oleObj spid="_x0000_s1046" name="Equation" r:id="rId10" imgW="279400" imgH="444500" progId="Equation.3">
+                <p:oleObj spid="_x0000_s1051" name="Equation" r:id="rId10" imgW="279400" imgH="444500" progId="Equation.3">
                   <p:embed/>
                 </p:oleObj>
               </mc:Choice>
@@ -4120,7 +4100,7 @@
           <a:graphicData uri="http://schemas.openxmlformats.org/presentationml/2006/ole">
             <mc:AlternateContent xmlns:mc="http://schemas.openxmlformats.org/markup-compatibility/2006">
               <mc:Choice xmlns:v="urn:schemas-microsoft-com:vml" Requires="v">
-                <p:oleObj spid="_x0000_s299023" name="Equation" r:id="rId4" imgW="914400" imgH="198720" progId="Equation.DSMT4">
+                <p:oleObj spid="_x0000_s299027" name="Equation" r:id="rId4" imgW="914400" imgH="198720" progId="Equation.DSMT4">
                   <p:embed/>
                 </p:oleObj>
               </mc:Choice>
@@ -4239,7 +4219,7 @@
           <a:graphicData uri="http://schemas.openxmlformats.org/presentationml/2006/ole">
             <mc:AlternateContent xmlns:mc="http://schemas.openxmlformats.org/markup-compatibility/2006">
               <mc:Choice xmlns:v="urn:schemas-microsoft-com:vml" Requires="v">
-                <p:oleObj spid="_x0000_s299024" name="Equation" r:id="rId6" imgW="2247840" imgH="228600" progId="Equation.DSMT4">
+                <p:oleObj spid="_x0000_s299028" name="Equation" r:id="rId6" imgW="2247840" imgH="228600" progId="Equation.DSMT4">
                   <p:embed/>
                 </p:oleObj>
               </mc:Choice>
@@ -4315,7 +4295,7 @@
           <a:graphicData uri="http://schemas.openxmlformats.org/presentationml/2006/ole">
             <mc:AlternateContent xmlns:mc="http://schemas.openxmlformats.org/markup-compatibility/2006">
               <mc:Choice xmlns:v="urn:schemas-microsoft-com:vml" Requires="v">
-                <p:oleObj spid="_x0000_s299025" name="Equation" r:id="rId8" imgW="825500" imgH="457200" progId="Equation.3">
+                <p:oleObj spid="_x0000_s299029" name="Equation" r:id="rId8" imgW="825500" imgH="457200" progId="Equation.3">
                   <p:embed/>
                 </p:oleObj>
               </mc:Choice>
@@ -4674,7 +4654,7 @@
           <a:graphicData uri="http://schemas.openxmlformats.org/presentationml/2006/ole">
             <mc:AlternateContent xmlns:mc="http://schemas.openxmlformats.org/markup-compatibility/2006">
               <mc:Choice xmlns:v="urn:schemas-microsoft-com:vml" Requires="v">
-                <p:oleObj spid="_x0000_s300039" name="Equation" r:id="rId4" imgW="2387600" imgH="228600" progId="Equation.3">
+                <p:oleObj spid="_x0000_s300041" name="Equation" r:id="rId4" imgW="2387600" imgH="228600" progId="Equation.3">
                   <p:embed/>
                 </p:oleObj>
               </mc:Choice>
@@ -5260,7 +5240,7 @@
           <a:graphicData uri="http://schemas.openxmlformats.org/presentationml/2006/ole">
             <mc:AlternateContent xmlns:mc="http://schemas.openxmlformats.org/markup-compatibility/2006">
               <mc:Choice xmlns:v="urn:schemas-microsoft-com:vml" Requires="v">
-                <p:oleObj spid="_x0000_s301071" name="Equation" r:id="rId4" imgW="2387600" imgH="228600" progId="Equation.DSMT4">
+                <p:oleObj spid="_x0000_s301075" name="Equation" r:id="rId4" imgW="2387600" imgH="228600" progId="Equation.DSMT4">
                   <p:embed/>
                 </p:oleObj>
               </mc:Choice>
@@ -5344,7 +5324,7 @@
             <a:graphicData uri="http://schemas.openxmlformats.org/presentationml/2006/ole">
               <mc:AlternateContent xmlns:mc="http://schemas.openxmlformats.org/markup-compatibility/2006">
                 <mc:Choice xmlns:v="urn:schemas-microsoft-com:vml" Requires="v">
-                  <p:oleObj spid="_x0000_s301072" name="Equation" r:id="rId6" imgW="812800" imgH="393700" progId="Equation.DSMT4">
+                  <p:oleObj spid="_x0000_s301076" name="Equation" r:id="rId6" imgW="812800" imgH="393700" progId="Equation.DSMT4">
                     <p:embed/>
                   </p:oleObj>
                 </mc:Choice>
@@ -5414,7 +5394,7 @@
             <a:graphicData uri="http://schemas.openxmlformats.org/presentationml/2006/ole">
               <mc:AlternateContent xmlns:mc="http://schemas.openxmlformats.org/markup-compatibility/2006">
                 <mc:Choice xmlns:v="urn:schemas-microsoft-com:vml" Requires="v">
-                  <p:oleObj spid="_x0000_s301073" name="Equation" r:id="rId8" imgW="812800" imgH="393700" progId="Equation.3">
+                  <p:oleObj spid="_x0000_s301077" name="Equation" r:id="rId8" imgW="812800" imgH="393700" progId="Equation.3">
                     <p:embed/>
                   </p:oleObj>
                 </mc:Choice>
@@ -5856,7 +5836,7 @@
           <a:graphicData uri="http://schemas.openxmlformats.org/presentationml/2006/ole">
             <mc:AlternateContent xmlns:mc="http://schemas.openxmlformats.org/markup-compatibility/2006">
               <mc:Choice xmlns:v="urn:schemas-microsoft-com:vml" Requires="v">
-                <p:oleObj spid="_x0000_s302087" name="Equation" r:id="rId4" imgW="2413000" imgH="228600" progId="Equation.3">
+                <p:oleObj spid="_x0000_s302089" name="Equation" r:id="rId4" imgW="2413000" imgH="228600" progId="Equation.3">
                   <p:embed/>
                 </p:oleObj>
               </mc:Choice>
@@ -6101,7 +6081,7 @@
           <a:graphicData uri="http://schemas.openxmlformats.org/presentationml/2006/ole">
             <mc:AlternateContent xmlns:mc="http://schemas.openxmlformats.org/markup-compatibility/2006">
               <mc:Choice xmlns:v="urn:schemas-microsoft-com:vml" Requires="v">
-                <p:oleObj spid="_x0000_s303111" name="Equation" r:id="rId4" imgW="2413000" imgH="228600" progId="Equation.3">
+                <p:oleObj spid="_x0000_s303113" name="Equation" r:id="rId4" imgW="2413000" imgH="228600" progId="Equation.3">
                   <p:embed/>
                 </p:oleObj>
               </mc:Choice>
